--- a/Drafts/MixToxJam.pptx
+++ b/Drafts/MixToxJam.pptx
@@ -4,36 +4,40 @@
   <p:sldMasterIdLst>
     <p:sldMasterId id="2147483648" r:id="rId1"/>
   </p:sldMasterIdLst>
+  <p:notesMasterIdLst>
+    <p:notesMasterId r:id="rId6"/>
+  </p:notesMasterIdLst>
   <p:sldIdLst>
     <p:sldId id="256" r:id="rId2"/>
     <p:sldId id="257" r:id="rId3"/>
-    <p:sldId id="259" r:id="rId4"/>
+    <p:sldId id="260" r:id="rId4"/>
+    <p:sldId id="259" r:id="rId5"/>
   </p:sldIdLst>
   <p:sldSz cx="12192000" cy="6858000"/>
   <p:notesSz cx="6858000" cy="9144000"/>
   <p:embeddedFontLst>
     <p:embeddedFont>
-      <p:font typeface="Gill Sans MT" panose="020B0502020104020203" pitchFamily="34" charset="0"/>
-      <p:regular r:id="rId5"/>
-      <p:bold r:id="rId6"/>
-      <p:italic r:id="rId7"/>
-      <p:boldItalic r:id="rId8"/>
+      <p:font typeface="Calibri" panose="020F0502020204030204" pitchFamily="34" charset="0"/>
+      <p:regular r:id="rId7"/>
+      <p:bold r:id="rId8"/>
+      <p:italic r:id="rId9"/>
+      <p:boldItalic r:id="rId10"/>
     </p:embeddedFont>
     <p:embeddedFont>
       <p:font typeface="Calibri Light" panose="020F0302020204030204" pitchFamily="34" charset="0"/>
-      <p:regular r:id="rId9"/>
-      <p:italic r:id="rId10"/>
+      <p:regular r:id="rId11"/>
+      <p:italic r:id="rId12"/>
     </p:embeddedFont>
     <p:embeddedFont>
-      <p:font typeface="Calibri" panose="020F0502020204030204" pitchFamily="34" charset="0"/>
-      <p:regular r:id="rId11"/>
-      <p:bold r:id="rId12"/>
-      <p:italic r:id="rId13"/>
-      <p:boldItalic r:id="rId14"/>
+      <p:font typeface="Gill Sans MT" panose="020B0502020104020203" pitchFamily="34" charset="0"/>
+      <p:regular r:id="rId13"/>
+      <p:bold r:id="rId14"/>
+      <p:italic r:id="rId15"/>
+      <p:boldItalic r:id="rId16"/>
     </p:embeddedFont>
     <p:embeddedFont>
       <p:font typeface="Keep Calm Med" pitchFamily="2" charset="0"/>
-      <p:regular r:id="rId15"/>
+      <p:regular r:id="rId17"/>
     </p:embeddedFont>
   </p:embeddedFontLst>
   <p:defaultTextStyle>
@@ -139,6 +143,527 @@
 </p:presentation>
 </file>
 
+<file path=ppt/notesMasters/notesMaster1.xml><?xml version="1.0" encoding="utf-8"?>
+<p:notesMaster xmlns:a="http://schemas.openxmlformats.org/drawingml/2006/main" xmlns:r="http://schemas.openxmlformats.org/officeDocument/2006/relationships" xmlns:p="http://schemas.openxmlformats.org/presentationml/2006/main">
+  <p:cSld>
+    <p:bg>
+      <p:bgRef idx="1001">
+        <a:schemeClr val="bg1"/>
+      </p:bgRef>
+    </p:bg>
+    <p:spTree>
+      <p:nvGrpSpPr>
+        <p:cNvPr id="1" name=""/>
+        <p:cNvGrpSpPr/>
+        <p:nvPr/>
+      </p:nvGrpSpPr>
+      <p:grpSpPr>
+        <a:xfrm>
+          <a:off x="0" y="0"/>
+          <a:ext cx="0" cy="0"/>
+          <a:chOff x="0" y="0"/>
+          <a:chExt cx="0" cy="0"/>
+        </a:xfrm>
+      </p:grpSpPr>
+      <p:sp>
+        <p:nvSpPr>
+          <p:cNvPr id="2" name="Header Placeholder 1"/>
+          <p:cNvSpPr>
+            <a:spLocks noGrp="1"/>
+          </p:cNvSpPr>
+          <p:nvPr>
+            <p:ph type="hdr" sz="quarter"/>
+          </p:nvPr>
+        </p:nvSpPr>
+        <p:spPr>
+          <a:xfrm>
+            <a:off x="0" y="0"/>
+            <a:ext cx="2971800" cy="458788"/>
+          </a:xfrm>
+          <a:prstGeom prst="rect">
+            <a:avLst/>
+          </a:prstGeom>
+        </p:spPr>
+        <p:txBody>
+          <a:bodyPr vert="horz" lIns="91440" tIns="45720" rIns="91440" bIns="45720" rtlCol="0"/>
+          <a:lstStyle>
+            <a:lvl1pPr algn="l">
+              <a:defRPr sz="1200"/>
+            </a:lvl1pPr>
+          </a:lstStyle>
+          <a:p>
+            <a:endParaRPr lang="en-GB"/>
+          </a:p>
+        </p:txBody>
+      </p:sp>
+      <p:sp>
+        <p:nvSpPr>
+          <p:cNvPr id="3" name="Date Placeholder 2"/>
+          <p:cNvSpPr>
+            <a:spLocks noGrp="1"/>
+          </p:cNvSpPr>
+          <p:nvPr>
+            <p:ph type="dt" idx="1"/>
+          </p:nvPr>
+        </p:nvSpPr>
+        <p:spPr>
+          <a:xfrm>
+            <a:off x="3884613" y="0"/>
+            <a:ext cx="2971800" cy="458788"/>
+          </a:xfrm>
+          <a:prstGeom prst="rect">
+            <a:avLst/>
+          </a:prstGeom>
+        </p:spPr>
+        <p:txBody>
+          <a:bodyPr vert="horz" lIns="91440" tIns="45720" rIns="91440" bIns="45720" rtlCol="0"/>
+          <a:lstStyle>
+            <a:lvl1pPr algn="r">
+              <a:defRPr sz="1200"/>
+            </a:lvl1pPr>
+          </a:lstStyle>
+          <a:p>
+            <a:fld id="{B34E88B8-BDFA-4CEF-B194-C3A27A90EEDB}" type="datetimeFigureOut">
+              <a:rPr lang="en-GB" smtClean="0"/>
+              <a:t>23/06/2018</a:t>
+            </a:fld>
+            <a:endParaRPr lang="en-GB"/>
+          </a:p>
+        </p:txBody>
+      </p:sp>
+      <p:sp>
+        <p:nvSpPr>
+          <p:cNvPr id="4" name="Slide Image Placeholder 3"/>
+          <p:cNvSpPr>
+            <a:spLocks noGrp="1" noRot="1" noChangeAspect="1"/>
+          </p:cNvSpPr>
+          <p:nvPr>
+            <p:ph type="sldImg" idx="2"/>
+          </p:nvPr>
+        </p:nvSpPr>
+        <p:spPr>
+          <a:xfrm>
+            <a:off x="685800" y="1143000"/>
+            <a:ext cx="5486400" cy="3086100"/>
+          </a:xfrm>
+          <a:prstGeom prst="rect">
+            <a:avLst/>
+          </a:prstGeom>
+          <a:noFill/>
+          <a:ln w="12700">
+            <a:solidFill>
+              <a:prstClr val="black"/>
+            </a:solidFill>
+          </a:ln>
+        </p:spPr>
+        <p:txBody>
+          <a:bodyPr vert="horz" lIns="91440" tIns="45720" rIns="91440" bIns="45720" rtlCol="0" anchor="ctr"/>
+          <a:lstStyle/>
+          <a:p>
+            <a:endParaRPr lang="en-GB"/>
+          </a:p>
+        </p:txBody>
+      </p:sp>
+      <p:sp>
+        <p:nvSpPr>
+          <p:cNvPr id="5" name="Notes Placeholder 4"/>
+          <p:cNvSpPr>
+            <a:spLocks noGrp="1"/>
+          </p:cNvSpPr>
+          <p:nvPr>
+            <p:ph type="body" sz="quarter" idx="3"/>
+          </p:nvPr>
+        </p:nvSpPr>
+        <p:spPr>
+          <a:xfrm>
+            <a:off x="685800" y="4400550"/>
+            <a:ext cx="5486400" cy="3600450"/>
+          </a:xfrm>
+          <a:prstGeom prst="rect">
+            <a:avLst/>
+          </a:prstGeom>
+        </p:spPr>
+        <p:txBody>
+          <a:bodyPr vert="horz" lIns="91440" tIns="45720" rIns="91440" bIns="45720" rtlCol="0"/>
+          <a:lstStyle/>
+          <a:p>
+            <a:pPr lvl="0"/>
+            <a:r>
+              <a:rPr lang="en-US"/>
+              <a:t>Edit Master text styles</a:t>
+            </a:r>
+          </a:p>
+          <a:p>
+            <a:pPr lvl="1"/>
+            <a:r>
+              <a:rPr lang="en-US"/>
+              <a:t>Second level</a:t>
+            </a:r>
+          </a:p>
+          <a:p>
+            <a:pPr lvl="2"/>
+            <a:r>
+              <a:rPr lang="en-US"/>
+              <a:t>Third level</a:t>
+            </a:r>
+          </a:p>
+          <a:p>
+            <a:pPr lvl="3"/>
+            <a:r>
+              <a:rPr lang="en-US"/>
+              <a:t>Fourth level</a:t>
+            </a:r>
+          </a:p>
+          <a:p>
+            <a:pPr lvl="4"/>
+            <a:r>
+              <a:rPr lang="en-US"/>
+              <a:t>Fifth level</a:t>
+            </a:r>
+            <a:endParaRPr lang="en-GB"/>
+          </a:p>
+        </p:txBody>
+      </p:sp>
+      <p:sp>
+        <p:nvSpPr>
+          <p:cNvPr id="6" name="Footer Placeholder 5"/>
+          <p:cNvSpPr>
+            <a:spLocks noGrp="1"/>
+          </p:cNvSpPr>
+          <p:nvPr>
+            <p:ph type="ftr" sz="quarter" idx="4"/>
+          </p:nvPr>
+        </p:nvSpPr>
+        <p:spPr>
+          <a:xfrm>
+            <a:off x="0" y="8685213"/>
+            <a:ext cx="2971800" cy="458787"/>
+          </a:xfrm>
+          <a:prstGeom prst="rect">
+            <a:avLst/>
+          </a:prstGeom>
+        </p:spPr>
+        <p:txBody>
+          <a:bodyPr vert="horz" lIns="91440" tIns="45720" rIns="91440" bIns="45720" rtlCol="0" anchor="b"/>
+          <a:lstStyle>
+            <a:lvl1pPr algn="l">
+              <a:defRPr sz="1200"/>
+            </a:lvl1pPr>
+          </a:lstStyle>
+          <a:p>
+            <a:endParaRPr lang="en-GB"/>
+          </a:p>
+        </p:txBody>
+      </p:sp>
+      <p:sp>
+        <p:nvSpPr>
+          <p:cNvPr id="7" name="Slide Number Placeholder 6"/>
+          <p:cNvSpPr>
+            <a:spLocks noGrp="1"/>
+          </p:cNvSpPr>
+          <p:nvPr>
+            <p:ph type="sldNum" sz="quarter" idx="5"/>
+          </p:nvPr>
+        </p:nvSpPr>
+        <p:spPr>
+          <a:xfrm>
+            <a:off x="3884613" y="8685213"/>
+            <a:ext cx="2971800" cy="458787"/>
+          </a:xfrm>
+          <a:prstGeom prst="rect">
+            <a:avLst/>
+          </a:prstGeom>
+        </p:spPr>
+        <p:txBody>
+          <a:bodyPr vert="horz" lIns="91440" tIns="45720" rIns="91440" bIns="45720" rtlCol="0" anchor="b"/>
+          <a:lstStyle>
+            <a:lvl1pPr algn="r">
+              <a:defRPr sz="1200"/>
+            </a:lvl1pPr>
+          </a:lstStyle>
+          <a:p>
+            <a:fld id="{F25E3A03-305A-43AC-BEBA-70E0D23CB864}" type="slidenum">
+              <a:rPr lang="en-GB" smtClean="0"/>
+              <a:t>‹#›</a:t>
+            </a:fld>
+            <a:endParaRPr lang="en-GB"/>
+          </a:p>
+        </p:txBody>
+      </p:sp>
+    </p:spTree>
+    <p:extLst>
+      <p:ext uri="{BB962C8B-B14F-4D97-AF65-F5344CB8AC3E}">
+        <p14:creationId xmlns:p14="http://schemas.microsoft.com/office/powerpoint/2010/main" val="4255303717"/>
+      </p:ext>
+    </p:extLst>
+  </p:cSld>
+  <p:clrMap bg1="lt1" tx1="dk1" bg2="lt2" tx2="dk2" accent1="accent1" accent2="accent2" accent3="accent3" accent4="accent4" accent5="accent5" accent6="accent6" hlink="hlink" folHlink="folHlink"/>
+  <p:notesStyle>
+    <a:lvl1pPr marL="0" algn="l" defTabSz="914400" rtl="0" eaLnBrk="1" latinLnBrk="0" hangingPunct="1">
+      <a:defRPr sz="1200" kern="1200">
+        <a:solidFill>
+          <a:schemeClr val="tx1"/>
+        </a:solidFill>
+        <a:latin typeface="+mn-lt"/>
+        <a:ea typeface="+mn-ea"/>
+        <a:cs typeface="+mn-cs"/>
+      </a:defRPr>
+    </a:lvl1pPr>
+    <a:lvl2pPr marL="457200" algn="l" defTabSz="914400" rtl="0" eaLnBrk="1" latinLnBrk="0" hangingPunct="1">
+      <a:defRPr sz="1200" kern="1200">
+        <a:solidFill>
+          <a:schemeClr val="tx1"/>
+        </a:solidFill>
+        <a:latin typeface="+mn-lt"/>
+        <a:ea typeface="+mn-ea"/>
+        <a:cs typeface="+mn-cs"/>
+      </a:defRPr>
+    </a:lvl2pPr>
+    <a:lvl3pPr marL="914400" algn="l" defTabSz="914400" rtl="0" eaLnBrk="1" latinLnBrk="0" hangingPunct="1">
+      <a:defRPr sz="1200" kern="1200">
+        <a:solidFill>
+          <a:schemeClr val="tx1"/>
+        </a:solidFill>
+        <a:latin typeface="+mn-lt"/>
+        <a:ea typeface="+mn-ea"/>
+        <a:cs typeface="+mn-cs"/>
+      </a:defRPr>
+    </a:lvl3pPr>
+    <a:lvl4pPr marL="1371600" algn="l" defTabSz="914400" rtl="0" eaLnBrk="1" latinLnBrk="0" hangingPunct="1">
+      <a:defRPr sz="1200" kern="1200">
+        <a:solidFill>
+          <a:schemeClr val="tx1"/>
+        </a:solidFill>
+        <a:latin typeface="+mn-lt"/>
+        <a:ea typeface="+mn-ea"/>
+        <a:cs typeface="+mn-cs"/>
+      </a:defRPr>
+    </a:lvl4pPr>
+    <a:lvl5pPr marL="1828800" algn="l" defTabSz="914400" rtl="0" eaLnBrk="1" latinLnBrk="0" hangingPunct="1">
+      <a:defRPr sz="1200" kern="1200">
+        <a:solidFill>
+          <a:schemeClr val="tx1"/>
+        </a:solidFill>
+        <a:latin typeface="+mn-lt"/>
+        <a:ea typeface="+mn-ea"/>
+        <a:cs typeface="+mn-cs"/>
+      </a:defRPr>
+    </a:lvl5pPr>
+    <a:lvl6pPr marL="2286000" algn="l" defTabSz="914400" rtl="0" eaLnBrk="1" latinLnBrk="0" hangingPunct="1">
+      <a:defRPr sz="1200" kern="1200">
+        <a:solidFill>
+          <a:schemeClr val="tx1"/>
+        </a:solidFill>
+        <a:latin typeface="+mn-lt"/>
+        <a:ea typeface="+mn-ea"/>
+        <a:cs typeface="+mn-cs"/>
+      </a:defRPr>
+    </a:lvl6pPr>
+    <a:lvl7pPr marL="2743200" algn="l" defTabSz="914400" rtl="0" eaLnBrk="1" latinLnBrk="0" hangingPunct="1">
+      <a:defRPr sz="1200" kern="1200">
+        <a:solidFill>
+          <a:schemeClr val="tx1"/>
+        </a:solidFill>
+        <a:latin typeface="+mn-lt"/>
+        <a:ea typeface="+mn-ea"/>
+        <a:cs typeface="+mn-cs"/>
+      </a:defRPr>
+    </a:lvl7pPr>
+    <a:lvl8pPr marL="3200400" algn="l" defTabSz="914400" rtl="0" eaLnBrk="1" latinLnBrk="0" hangingPunct="1">
+      <a:defRPr sz="1200" kern="1200">
+        <a:solidFill>
+          <a:schemeClr val="tx1"/>
+        </a:solidFill>
+        <a:latin typeface="+mn-lt"/>
+        <a:ea typeface="+mn-ea"/>
+        <a:cs typeface="+mn-cs"/>
+      </a:defRPr>
+    </a:lvl8pPr>
+    <a:lvl9pPr marL="3657600" algn="l" defTabSz="914400" rtl="0" eaLnBrk="1" latinLnBrk="0" hangingPunct="1">
+      <a:defRPr sz="1200" kern="1200">
+        <a:solidFill>
+          <a:schemeClr val="tx1"/>
+        </a:solidFill>
+        <a:latin typeface="+mn-lt"/>
+        <a:ea typeface="+mn-ea"/>
+        <a:cs typeface="+mn-cs"/>
+      </a:defRPr>
+    </a:lvl9pPr>
+  </p:notesStyle>
+</p:notesMaster>
+</file>
+
+<file path=ppt/notesSlides/notesSlide1.xml><?xml version="1.0" encoding="utf-8"?>
+<p:notes xmlns:a="http://schemas.openxmlformats.org/drawingml/2006/main" xmlns:r="http://schemas.openxmlformats.org/officeDocument/2006/relationships" xmlns:p="http://schemas.openxmlformats.org/presentationml/2006/main">
+  <p:cSld>
+    <p:spTree>
+      <p:nvGrpSpPr>
+        <p:cNvPr id="1" name=""/>
+        <p:cNvGrpSpPr/>
+        <p:nvPr/>
+      </p:nvGrpSpPr>
+      <p:grpSpPr>
+        <a:xfrm>
+          <a:off x="0" y="0"/>
+          <a:ext cx="0" cy="0"/>
+          <a:chOff x="0" y="0"/>
+          <a:chExt cx="0" cy="0"/>
+        </a:xfrm>
+      </p:grpSpPr>
+      <p:sp>
+        <p:nvSpPr>
+          <p:cNvPr id="2" name="Slide Image Placeholder 1"/>
+          <p:cNvSpPr>
+            <a:spLocks noGrp="1" noRot="1" noChangeAspect="1"/>
+          </p:cNvSpPr>
+          <p:nvPr>
+            <p:ph type="sldImg"/>
+          </p:nvPr>
+        </p:nvSpPr>
+        <p:spPr/>
+      </p:sp>
+      <p:sp>
+        <p:nvSpPr>
+          <p:cNvPr id="3" name="Notes Placeholder 2"/>
+          <p:cNvSpPr>
+            <a:spLocks noGrp="1"/>
+          </p:cNvSpPr>
+          <p:nvPr>
+            <p:ph type="body" idx="1"/>
+          </p:nvPr>
+        </p:nvSpPr>
+        <p:spPr/>
+        <p:txBody>
+          <a:bodyPr/>
+          <a:lstStyle/>
+          <a:p>
+            <a:r>
+              <a:rPr lang="en-GB" dirty="0"/>
+              <a:t>I’d like to start off by dating this presentation and possible alienating everyone in the room over 25. And I want challenge James’ hypothesis in the statement above: are two team rocket goons twice as dangerous as one?</a:t>
+            </a:r>
+          </a:p>
+        </p:txBody>
+      </p:sp>
+      <p:sp>
+        <p:nvSpPr>
+          <p:cNvPr id="4" name="Slide Number Placeholder 3"/>
+          <p:cNvSpPr>
+            <a:spLocks noGrp="1"/>
+          </p:cNvSpPr>
+          <p:nvPr>
+            <p:ph type="sldNum" sz="quarter" idx="10"/>
+          </p:nvPr>
+        </p:nvSpPr>
+        <p:spPr/>
+        <p:txBody>
+          <a:bodyPr/>
+          <a:lstStyle/>
+          <a:p>
+            <a:fld id="{F25E3A03-305A-43AC-BEBA-70E0D23CB864}" type="slidenum">
+              <a:rPr lang="en-GB" smtClean="0"/>
+              <a:t>2</a:t>
+            </a:fld>
+            <a:endParaRPr lang="en-GB"/>
+          </a:p>
+        </p:txBody>
+      </p:sp>
+    </p:spTree>
+    <p:extLst>
+      <p:ext uri="{BB962C8B-B14F-4D97-AF65-F5344CB8AC3E}">
+        <p14:creationId xmlns:p14="http://schemas.microsoft.com/office/powerpoint/2010/main" val="2915383936"/>
+      </p:ext>
+    </p:extLst>
+  </p:cSld>
+  <p:clrMapOvr>
+    <a:masterClrMapping/>
+  </p:clrMapOvr>
+</p:notes>
+</file>
+
+<file path=ppt/notesSlides/notesSlide2.xml><?xml version="1.0" encoding="utf-8"?>
+<p:notes xmlns:a="http://schemas.openxmlformats.org/drawingml/2006/main" xmlns:r="http://schemas.openxmlformats.org/officeDocument/2006/relationships" xmlns:p="http://schemas.openxmlformats.org/presentationml/2006/main">
+  <p:cSld>
+    <p:spTree>
+      <p:nvGrpSpPr>
+        <p:cNvPr id="1" name=""/>
+        <p:cNvGrpSpPr/>
+        <p:nvPr/>
+      </p:nvGrpSpPr>
+      <p:grpSpPr>
+        <a:xfrm>
+          <a:off x="0" y="0"/>
+          <a:ext cx="0" cy="0"/>
+          <a:chOff x="0" y="0"/>
+          <a:chExt cx="0" cy="0"/>
+        </a:xfrm>
+      </p:grpSpPr>
+      <p:sp>
+        <p:nvSpPr>
+          <p:cNvPr id="2" name="Slide Image Placeholder 1"/>
+          <p:cNvSpPr>
+            <a:spLocks noGrp="1" noRot="1" noChangeAspect="1"/>
+          </p:cNvSpPr>
+          <p:nvPr>
+            <p:ph type="sldImg"/>
+          </p:nvPr>
+        </p:nvSpPr>
+        <p:spPr/>
+      </p:sp>
+      <p:sp>
+        <p:nvSpPr>
+          <p:cNvPr id="3" name="Notes Placeholder 2"/>
+          <p:cNvSpPr>
+            <a:spLocks noGrp="1"/>
+          </p:cNvSpPr>
+          <p:nvPr>
+            <p:ph type="body" idx="1"/>
+          </p:nvPr>
+        </p:nvSpPr>
+        <p:spPr/>
+        <p:txBody>
+          <a:bodyPr/>
+          <a:lstStyle/>
+          <a:p>
+            <a:endParaRPr lang="en-GB" dirty="0"/>
+          </a:p>
+        </p:txBody>
+      </p:sp>
+      <p:sp>
+        <p:nvSpPr>
+          <p:cNvPr id="4" name="Slide Number Placeholder 3"/>
+          <p:cNvSpPr>
+            <a:spLocks noGrp="1"/>
+          </p:cNvSpPr>
+          <p:nvPr>
+            <p:ph type="sldNum" sz="quarter" idx="10"/>
+          </p:nvPr>
+        </p:nvSpPr>
+        <p:spPr/>
+        <p:txBody>
+          <a:bodyPr/>
+          <a:lstStyle/>
+          <a:p>
+            <a:fld id="{F25E3A03-305A-43AC-BEBA-70E0D23CB864}" type="slidenum">
+              <a:rPr lang="en-GB" smtClean="0"/>
+              <a:t>3</a:t>
+            </a:fld>
+            <a:endParaRPr lang="en-GB"/>
+          </a:p>
+        </p:txBody>
+      </p:sp>
+    </p:spTree>
+    <p:extLst>
+      <p:ext uri="{BB962C8B-B14F-4D97-AF65-F5344CB8AC3E}">
+        <p14:creationId xmlns:p14="http://schemas.microsoft.com/office/powerpoint/2010/main" val="824151107"/>
+      </p:ext>
+    </p:extLst>
+  </p:cSld>
+  <p:clrMapOvr>
+    <a:masterClrMapping/>
+  </p:clrMapOvr>
+</p:notes>
+</file>
+
 <file path=ppt/slideLayouts/slideLayout1.xml><?xml version="1.0" encoding="utf-8"?>
 <p:sldLayout xmlns:a="http://schemas.openxmlformats.org/drawingml/2006/main" xmlns:r="http://schemas.openxmlformats.org/officeDocument/2006/relationships" xmlns:p="http://schemas.openxmlformats.org/presentationml/2006/main" type="title" preserve="1">
   <p:cSld name="Title Slide">
@@ -288,7 +813,7 @@
           <a:p>
             <a:fld id="{BBF5D133-FC8E-4B46-A38F-A7525C4D5E80}" type="datetimeFigureOut">
               <a:rPr lang="en-GB" smtClean="0"/>
-              <a:t>24/04/2018</a:t>
+              <a:t>23/06/2018</a:t>
             </a:fld>
             <a:endParaRPr lang="en-GB"/>
           </a:p>
@@ -488,7 +1013,7 @@
           <a:p>
             <a:fld id="{BBF5D133-FC8E-4B46-A38F-A7525C4D5E80}" type="datetimeFigureOut">
               <a:rPr lang="en-GB" smtClean="0"/>
-              <a:t>24/04/2018</a:t>
+              <a:t>23/06/2018</a:t>
             </a:fld>
             <a:endParaRPr lang="en-GB"/>
           </a:p>
@@ -698,7 +1223,7 @@
           <a:p>
             <a:fld id="{BBF5D133-FC8E-4B46-A38F-A7525C4D5E80}" type="datetimeFigureOut">
               <a:rPr lang="en-GB" smtClean="0"/>
-              <a:t>24/04/2018</a:t>
+              <a:t>23/06/2018</a:t>
             </a:fld>
             <a:endParaRPr lang="en-GB"/>
           </a:p>
@@ -898,7 +1423,7 @@
           <a:p>
             <a:fld id="{BBF5D133-FC8E-4B46-A38F-A7525C4D5E80}" type="datetimeFigureOut">
               <a:rPr lang="en-GB" smtClean="0"/>
-              <a:t>24/04/2018</a:t>
+              <a:t>23/06/2018</a:t>
             </a:fld>
             <a:endParaRPr lang="en-GB"/>
           </a:p>
@@ -1174,7 +1699,7 @@
           <a:p>
             <a:fld id="{BBF5D133-FC8E-4B46-A38F-A7525C4D5E80}" type="datetimeFigureOut">
               <a:rPr lang="en-GB" smtClean="0"/>
-              <a:t>24/04/2018</a:t>
+              <a:t>23/06/2018</a:t>
             </a:fld>
             <a:endParaRPr lang="en-GB"/>
           </a:p>
@@ -1442,7 +1967,7 @@
           <a:p>
             <a:fld id="{BBF5D133-FC8E-4B46-A38F-A7525C4D5E80}" type="datetimeFigureOut">
               <a:rPr lang="en-GB" smtClean="0"/>
-              <a:t>24/04/2018</a:t>
+              <a:t>23/06/2018</a:t>
             </a:fld>
             <a:endParaRPr lang="en-GB"/>
           </a:p>
@@ -1857,7 +2382,7 @@
           <a:p>
             <a:fld id="{BBF5D133-FC8E-4B46-A38F-A7525C4D5E80}" type="datetimeFigureOut">
               <a:rPr lang="en-GB" smtClean="0"/>
-              <a:t>24/04/2018</a:t>
+              <a:t>23/06/2018</a:t>
             </a:fld>
             <a:endParaRPr lang="en-GB"/>
           </a:p>
@@ -1999,7 +2524,7 @@
           <a:p>
             <a:fld id="{BBF5D133-FC8E-4B46-A38F-A7525C4D5E80}" type="datetimeFigureOut">
               <a:rPr lang="en-GB" smtClean="0"/>
-              <a:t>24/04/2018</a:t>
+              <a:t>23/06/2018</a:t>
             </a:fld>
             <a:endParaRPr lang="en-GB"/>
           </a:p>
@@ -2112,7 +2637,7 @@
           <a:p>
             <a:fld id="{BBF5D133-FC8E-4B46-A38F-A7525C4D5E80}" type="datetimeFigureOut">
               <a:rPr lang="en-GB" smtClean="0"/>
-              <a:t>24/04/2018</a:t>
+              <a:t>23/06/2018</a:t>
             </a:fld>
             <a:endParaRPr lang="en-GB"/>
           </a:p>
@@ -2425,7 +2950,7 @@
           <a:p>
             <a:fld id="{BBF5D133-FC8E-4B46-A38F-A7525C4D5E80}" type="datetimeFigureOut">
               <a:rPr lang="en-GB" smtClean="0"/>
-              <a:t>24/04/2018</a:t>
+              <a:t>23/06/2018</a:t>
             </a:fld>
             <a:endParaRPr lang="en-GB"/>
           </a:p>
@@ -2714,7 +3239,7 @@
           <a:p>
             <a:fld id="{BBF5D133-FC8E-4B46-A38F-A7525C4D5E80}" type="datetimeFigureOut">
               <a:rPr lang="en-GB" smtClean="0"/>
-              <a:t>24/04/2018</a:t>
+              <a:t>23/06/2018</a:t>
             </a:fld>
             <a:endParaRPr lang="en-GB"/>
           </a:p>
@@ -2957,7 +3482,7 @@
           <a:p>
             <a:fld id="{BBF5D133-FC8E-4B46-A38F-A7525C4D5E80}" type="datetimeFigureOut">
               <a:rPr lang="en-GB" smtClean="0"/>
-              <a:t>24/04/2018</a:t>
+              <a:t>23/06/2018</a:t>
             </a:fld>
             <a:endParaRPr lang="en-GB"/>
           </a:p>
@@ -3622,6 +4147,58 @@
       </p:grpSpPr>
       <p:sp>
         <p:nvSpPr>
+          <p:cNvPr id="12" name="Rectangle 11">
+            <a:extLst>
+              <a:ext uri="{FF2B5EF4-FFF2-40B4-BE49-F238E27FC236}">
+                <a16:creationId xmlns:a16="http://schemas.microsoft.com/office/drawing/2014/main" id="{D4822B03-C4A5-4EC5-97C8-E6EA97A6F624}"/>
+              </a:ext>
+            </a:extLst>
+          </p:cNvPr>
+          <p:cNvSpPr/>
+          <p:nvPr/>
+        </p:nvSpPr>
+        <p:spPr>
+          <a:xfrm>
+            <a:off x="1189990" y="543838"/>
+            <a:ext cx="2139950" cy="58142"/>
+          </a:xfrm>
+          <a:prstGeom prst="rect">
+            <a:avLst/>
+          </a:prstGeom>
+          <a:solidFill>
+            <a:schemeClr val="accent2"/>
+          </a:solidFill>
+          <a:ln>
+            <a:noFill/>
+          </a:ln>
+        </p:spPr>
+        <p:style>
+          <a:lnRef idx="2">
+            <a:schemeClr val="accent1">
+              <a:shade val="50000"/>
+            </a:schemeClr>
+          </a:lnRef>
+          <a:fillRef idx="1">
+            <a:schemeClr val="accent1"/>
+          </a:fillRef>
+          <a:effectRef idx="0">
+            <a:schemeClr val="accent1"/>
+          </a:effectRef>
+          <a:fontRef idx="minor">
+            <a:schemeClr val="lt1"/>
+          </a:fontRef>
+        </p:style>
+        <p:txBody>
+          <a:bodyPr rtlCol="0" anchor="ctr"/>
+          <a:lstStyle/>
+          <a:p>
+            <a:pPr algn="ctr"/>
+            <a:endParaRPr lang="en-GB"/>
+          </a:p>
+        </p:txBody>
+      </p:sp>
+      <p:sp>
+        <p:nvSpPr>
           <p:cNvPr id="2" name="Title 1">
             <a:extLst>
               <a:ext uri="{FF2B5EF4-FFF2-40B4-BE49-F238E27FC236}">
@@ -3652,7 +4229,7 @@
               <a:rPr lang="en-GB" sz="3200" dirty="0">
                 <a:latin typeface="Keep Calm Med" pitchFamily="2" charset="0"/>
               </a:rPr>
-              <a:t>Questions</a:t>
+              <a:t>Prepare for trouble…</a:t>
             </a:r>
           </a:p>
         </p:txBody>
@@ -3761,6 +4338,222 @@
           </a:p>
         </p:txBody>
       </p:sp>
+      <p:grpSp>
+        <p:nvGrpSpPr>
+          <p:cNvPr id="13" name="Group 12">
+            <a:extLst>
+              <a:ext uri="{FF2B5EF4-FFF2-40B4-BE49-F238E27FC236}">
+                <a16:creationId xmlns:a16="http://schemas.microsoft.com/office/drawing/2014/main" id="{89E6A631-89FD-4ED8-9B8E-70D6806D47EA}"/>
+              </a:ext>
+            </a:extLst>
+          </p:cNvPr>
+          <p:cNvGrpSpPr/>
+          <p:nvPr/>
+        </p:nvGrpSpPr>
+        <p:grpSpPr>
+          <a:xfrm>
+            <a:off x="2939415" y="1197916"/>
+            <a:ext cx="6313170" cy="5078957"/>
+            <a:chOff x="2939415" y="1197916"/>
+            <a:chExt cx="6313170" cy="5078957"/>
+          </a:xfrm>
+        </p:grpSpPr>
+        <p:pic>
+          <p:nvPicPr>
+            <p:cNvPr id="1036" name="Picture 12" descr="Image result for prepare for trouble and make it double">
+              <a:extLst>
+                <a:ext uri="{FF2B5EF4-FFF2-40B4-BE49-F238E27FC236}">
+                  <a16:creationId xmlns:a16="http://schemas.microsoft.com/office/drawing/2014/main" id="{89CBD4EE-78E3-43B2-8DB5-2D1BE4D8CA7F}"/>
+                </a:ext>
+              </a:extLst>
+            </p:cNvPr>
+            <p:cNvPicPr>
+              <a:picLocks noChangeAspect="1" noChangeArrowheads="1"/>
+            </p:cNvPicPr>
+            <p:nvPr/>
+          </p:nvPicPr>
+          <p:blipFill>
+            <a:blip r:embed="rId3">
+              <a:extLst>
+                <a:ext uri="{28A0092B-C50C-407E-A947-70E740481C1C}">
+                  <a14:useLocalDpi xmlns:a14="http://schemas.microsoft.com/office/drawing/2010/main" val="0"/>
+                </a:ext>
+              </a:extLst>
+            </a:blip>
+            <a:srcRect/>
+            <a:stretch>
+              <a:fillRect/>
+            </a:stretch>
+          </p:blipFill>
+          <p:spPr bwMode="auto">
+            <a:xfrm>
+              <a:off x="2939415" y="1197916"/>
+              <a:ext cx="6313170" cy="4709625"/>
+            </a:xfrm>
+            <a:prstGeom prst="rect">
+              <a:avLst/>
+            </a:prstGeom>
+            <a:noFill/>
+            <a:ln>
+              <a:noFill/>
+            </a:ln>
+            <a:extLst>
+              <a:ext uri="{909E8E84-426E-40DD-AFC4-6F175D3DCCD1}">
+                <a14:hiddenFill xmlns:a14="http://schemas.microsoft.com/office/drawing/2010/main">
+                  <a:solidFill>
+                    <a:srgbClr val="FFFFFF"/>
+                  </a:solidFill>
+                </a14:hiddenFill>
+              </a:ext>
+            </a:extLst>
+          </p:spPr>
+        </p:pic>
+        <p:sp>
+          <p:nvSpPr>
+            <p:cNvPr id="11" name="TextBox 10">
+              <a:extLst>
+                <a:ext uri="{FF2B5EF4-FFF2-40B4-BE49-F238E27FC236}">
+                  <a16:creationId xmlns:a16="http://schemas.microsoft.com/office/drawing/2014/main" id="{0F690994-EF5B-404C-B638-49EEBB637DA7}"/>
+                </a:ext>
+              </a:extLst>
+            </p:cNvPr>
+            <p:cNvSpPr txBox="1"/>
+            <p:nvPr/>
+          </p:nvSpPr>
+          <p:spPr>
+            <a:xfrm>
+              <a:off x="7723414" y="5907541"/>
+              <a:ext cx="1529171" cy="369332"/>
+            </a:xfrm>
+            <a:prstGeom prst="rect">
+              <a:avLst/>
+            </a:prstGeom>
+            <a:noFill/>
+            <a:ln>
+              <a:noFill/>
+            </a:ln>
+          </p:spPr>
+          <p:txBody>
+            <a:bodyPr wrap="square" rtlCol="0">
+              <a:spAutoFit/>
+            </a:bodyPr>
+            <a:lstStyle/>
+            <a:p>
+              <a:r>
+                <a:rPr lang="en-GB" i="1" dirty="0">
+                  <a:latin typeface="Keep Calm Med" pitchFamily="2" charset="0"/>
+                </a:rPr>
+                <a:t>- Nintendo</a:t>
+              </a:r>
+            </a:p>
+          </p:txBody>
+        </p:sp>
+      </p:grpSp>
+    </p:spTree>
+    <p:extLst>
+      <p:ext uri="{BB962C8B-B14F-4D97-AF65-F5344CB8AC3E}">
+        <p14:creationId xmlns:p14="http://schemas.microsoft.com/office/powerpoint/2010/main" val="3287104950"/>
+      </p:ext>
+    </p:extLst>
+  </p:cSld>
+  <p:clrMapOvr>
+    <a:masterClrMapping/>
+  </p:clrMapOvr>
+  <p:timing>
+    <p:tnLst>
+      <p:par>
+        <p:cTn id="1" dur="indefinite" restart="never" nodeType="tmRoot">
+          <p:childTnLst>
+            <p:seq concurrent="1" nextAc="seek">
+              <p:cTn id="2" dur="indefinite" nodeType="mainSeq">
+                <p:childTnLst>
+                  <p:par>
+                    <p:cTn id="3" fill="hold">
+                      <p:stCondLst>
+                        <p:cond delay="indefinite"/>
+                      </p:stCondLst>
+                      <p:childTnLst>
+                        <p:par>
+                          <p:cTn id="4" fill="hold">
+                            <p:stCondLst>
+                              <p:cond delay="0"/>
+                            </p:stCondLst>
+                            <p:childTnLst>
+                              <p:par>
+                                <p:cTn id="5" presetID="1" presetClass="entr" presetSubtype="0" fill="hold" nodeType="clickEffect">
+                                  <p:stCondLst>
+                                    <p:cond delay="0"/>
+                                  </p:stCondLst>
+                                  <p:childTnLst>
+                                    <p:set>
+                                      <p:cBhvr>
+                                        <p:cTn id="6" dur="1" fill="hold">
+                                          <p:stCondLst>
+                                            <p:cond delay="0"/>
+                                          </p:stCondLst>
+                                        </p:cTn>
+                                        <p:tgtEl>
+                                          <p:spTgt spid="13"/>
+                                        </p:tgtEl>
+                                        <p:attrNameLst>
+                                          <p:attrName>style.visibility</p:attrName>
+                                        </p:attrNameLst>
+                                      </p:cBhvr>
+                                      <p:to>
+                                        <p:strVal val="visible"/>
+                                      </p:to>
+                                    </p:set>
+                                  </p:childTnLst>
+                                </p:cTn>
+                              </p:par>
+                            </p:childTnLst>
+                          </p:cTn>
+                        </p:par>
+                      </p:childTnLst>
+                    </p:cTn>
+                  </p:par>
+                </p:childTnLst>
+              </p:cTn>
+              <p:prevCondLst>
+                <p:cond evt="onPrev" delay="0">
+                  <p:tgtEl>
+                    <p:sldTgt/>
+                  </p:tgtEl>
+                </p:cond>
+              </p:prevCondLst>
+              <p:nextCondLst>
+                <p:cond evt="onNext" delay="0">
+                  <p:tgtEl>
+                    <p:sldTgt/>
+                  </p:tgtEl>
+                </p:cond>
+              </p:nextCondLst>
+            </p:seq>
+          </p:childTnLst>
+        </p:cTn>
+      </p:par>
+    </p:tnLst>
+  </p:timing>
+</p:sld>
+</file>
+
+<file path=ppt/slides/slide3.xml><?xml version="1.0" encoding="utf-8"?>
+<p:sld xmlns:a="http://schemas.openxmlformats.org/drawingml/2006/main" xmlns:r="http://schemas.openxmlformats.org/officeDocument/2006/relationships" xmlns:p="http://schemas.openxmlformats.org/presentationml/2006/main">
+  <p:cSld>
+    <p:spTree>
+      <p:nvGrpSpPr>
+        <p:cNvPr id="1" name=""/>
+        <p:cNvGrpSpPr/>
+        <p:nvPr/>
+      </p:nvGrpSpPr>
+      <p:grpSpPr>
+        <a:xfrm>
+          <a:off x="0" y="0"/>
+          <a:ext cx="0" cy="0"/>
+          <a:chOff x="0" y="0"/>
+          <a:chExt cx="0" cy="0"/>
+        </a:xfrm>
+      </p:grpSpPr>
       <p:sp>
         <p:nvSpPr>
           <p:cNvPr id="12" name="Rectangle 11">
@@ -3775,8 +4568,8 @@
         </p:nvSpPr>
         <p:spPr>
           <a:xfrm>
-            <a:off x="1189990" y="543838"/>
-            <a:ext cx="2139950" cy="58142"/>
+            <a:off x="1189990" y="543837"/>
+            <a:ext cx="3382010" cy="60319"/>
           </a:xfrm>
           <a:prstGeom prst="rect">
             <a:avLst/>
@@ -3815,10 +4608,754 @@
       </p:sp>
       <p:sp>
         <p:nvSpPr>
-          <p:cNvPr id="3" name="TextBox 2">
+          <p:cNvPr id="2" name="Title 1">
             <a:extLst>
               <a:ext uri="{FF2B5EF4-FFF2-40B4-BE49-F238E27FC236}">
-                <a16:creationId xmlns:a16="http://schemas.microsoft.com/office/drawing/2014/main" id="{ACA4802E-0C2C-4CEF-8A1C-0DB300DE7981}"/>
+                <a16:creationId xmlns:a16="http://schemas.microsoft.com/office/drawing/2014/main" id="{004B4E03-3616-4888-B4F6-58AA7CBBBB3B}"/>
+              </a:ext>
+            </a:extLst>
+          </p:cNvPr>
+          <p:cNvSpPr>
+            <a:spLocks noGrp="1"/>
+          </p:cNvSpPr>
+          <p:nvPr>
+            <p:ph type="title"/>
+          </p:nvPr>
+        </p:nvSpPr>
+        <p:spPr>
+          <a:xfrm>
+            <a:off x="1082040" y="-290195"/>
+            <a:ext cx="9692640" cy="1325563"/>
+          </a:xfrm>
+        </p:spPr>
+        <p:txBody>
+          <a:bodyPr>
+            <a:normAutofit/>
+          </a:bodyPr>
+          <a:lstStyle/>
+          <a:p>
+            <a:r>
+              <a:rPr lang="en-GB" sz="3200" dirty="0">
+                <a:latin typeface="Keep Calm Med" pitchFamily="2" charset="0"/>
+              </a:rPr>
+              <a:t>and make it double?</a:t>
+            </a:r>
+          </a:p>
+        </p:txBody>
+      </p:sp>
+      <p:sp>
+        <p:nvSpPr>
+          <p:cNvPr id="4" name="Rectangle 3">
+            <a:extLst>
+              <a:ext uri="{FF2B5EF4-FFF2-40B4-BE49-F238E27FC236}">
+                <a16:creationId xmlns:a16="http://schemas.microsoft.com/office/drawing/2014/main" id="{F82E57E2-71C1-4AB5-826E-9FC316CBBF57}"/>
+              </a:ext>
+            </a:extLst>
+          </p:cNvPr>
+          <p:cNvSpPr/>
+          <p:nvPr/>
+        </p:nvSpPr>
+        <p:spPr>
+          <a:xfrm>
+            <a:off x="0" y="0"/>
+            <a:ext cx="1082040" cy="6858000"/>
+          </a:xfrm>
+          <a:prstGeom prst="rect">
+            <a:avLst/>
+          </a:prstGeom>
+          <a:solidFill>
+            <a:schemeClr val="accent2"/>
+          </a:solidFill>
+          <a:ln>
+            <a:noFill/>
+          </a:ln>
+        </p:spPr>
+        <p:style>
+          <a:lnRef idx="2">
+            <a:schemeClr val="accent1">
+              <a:shade val="50000"/>
+            </a:schemeClr>
+          </a:lnRef>
+          <a:fillRef idx="1">
+            <a:schemeClr val="accent1"/>
+          </a:fillRef>
+          <a:effectRef idx="0">
+            <a:schemeClr val="accent1"/>
+          </a:effectRef>
+          <a:fontRef idx="minor">
+            <a:schemeClr val="lt1"/>
+          </a:fontRef>
+        </p:style>
+        <p:txBody>
+          <a:bodyPr rtlCol="0" anchor="ctr"/>
+          <a:lstStyle/>
+          <a:p>
+            <a:pPr algn="ctr"/>
+            <a:endParaRPr lang="en-GB"/>
+          </a:p>
+        </p:txBody>
+      </p:sp>
+      <p:sp>
+        <p:nvSpPr>
+          <p:cNvPr id="5" name="Rectangle 4">
+            <a:extLst>
+              <a:ext uri="{FF2B5EF4-FFF2-40B4-BE49-F238E27FC236}">
+                <a16:creationId xmlns:a16="http://schemas.microsoft.com/office/drawing/2014/main" id="{A6F833C5-A180-4111-A8B6-4EBB5E5EC11D}"/>
+              </a:ext>
+            </a:extLst>
+          </p:cNvPr>
+          <p:cNvSpPr/>
+          <p:nvPr/>
+        </p:nvSpPr>
+        <p:spPr>
+          <a:xfrm>
+            <a:off x="11109960" y="0"/>
+            <a:ext cx="1082040" cy="6858000"/>
+          </a:xfrm>
+          <a:prstGeom prst="rect">
+            <a:avLst/>
+          </a:prstGeom>
+          <a:solidFill>
+            <a:schemeClr val="accent2"/>
+          </a:solidFill>
+          <a:ln>
+            <a:noFill/>
+          </a:ln>
+        </p:spPr>
+        <p:style>
+          <a:lnRef idx="2">
+            <a:schemeClr val="accent1">
+              <a:shade val="50000"/>
+            </a:schemeClr>
+          </a:lnRef>
+          <a:fillRef idx="1">
+            <a:schemeClr val="accent1"/>
+          </a:fillRef>
+          <a:effectRef idx="0">
+            <a:schemeClr val="accent1"/>
+          </a:effectRef>
+          <a:fontRef idx="minor">
+            <a:schemeClr val="lt1"/>
+          </a:fontRef>
+        </p:style>
+        <p:txBody>
+          <a:bodyPr rtlCol="0" anchor="ctr"/>
+          <a:lstStyle/>
+          <a:p>
+            <a:pPr algn="ctr"/>
+            <a:endParaRPr lang="en-GB"/>
+          </a:p>
+        </p:txBody>
+      </p:sp>
+      <p:pic>
+        <p:nvPicPr>
+          <p:cNvPr id="2050" name="Picture 2" descr="Image result for pikachu">
+            <a:extLst>
+              <a:ext uri="{FF2B5EF4-FFF2-40B4-BE49-F238E27FC236}">
+                <a16:creationId xmlns:a16="http://schemas.microsoft.com/office/drawing/2014/main" id="{7E99AB85-401B-41E9-BE45-79FF693C4CD3}"/>
+              </a:ext>
+            </a:extLst>
+          </p:cNvPr>
+          <p:cNvPicPr>
+            <a:picLocks noChangeAspect="1" noChangeArrowheads="1"/>
+          </p:cNvPicPr>
+          <p:nvPr/>
+        </p:nvPicPr>
+        <p:blipFill>
+          <a:blip r:embed="rId4">
+            <a:duotone>
+              <a:schemeClr val="accent4">
+                <a:shade val="45000"/>
+                <a:satMod val="135000"/>
+              </a:schemeClr>
+              <a:prstClr val="white"/>
+            </a:duotone>
+            <a:extLst>
+              <a:ext uri="{28A0092B-C50C-407E-A947-70E740481C1C}">
+                <a14:useLocalDpi xmlns:a14="http://schemas.microsoft.com/office/drawing/2010/main" val="0"/>
+              </a:ext>
+            </a:extLst>
+          </a:blip>
+          <a:srcRect/>
+          <a:stretch>
+            <a:fillRect/>
+          </a:stretch>
+        </p:blipFill>
+        <p:spPr bwMode="auto">
+          <a:xfrm>
+            <a:off x="2172329" y="1869400"/>
+            <a:ext cx="905887" cy="890833"/>
+          </a:xfrm>
+          <a:prstGeom prst="rect">
+            <a:avLst/>
+          </a:prstGeom>
+          <a:noFill/>
+          <a:extLst>
+            <a:ext uri="{909E8E84-426E-40DD-AFC4-6F175D3DCCD1}">
+              <a14:hiddenFill xmlns:a14="http://schemas.microsoft.com/office/drawing/2010/main">
+                <a:solidFill>
+                  <a:srgbClr val="FFFFFF"/>
+                </a:solidFill>
+              </a14:hiddenFill>
+            </a:ext>
+          </a:extLst>
+        </p:spPr>
+      </p:pic>
+      <p:pic>
+        <p:nvPicPr>
+          <p:cNvPr id="10" name="Picture 2" descr="Image result for pikachu">
+            <a:extLst>
+              <a:ext uri="{FF2B5EF4-FFF2-40B4-BE49-F238E27FC236}">
+                <a16:creationId xmlns:a16="http://schemas.microsoft.com/office/drawing/2014/main" id="{FE4681FC-29AD-4FBB-8B60-3DA654A5A2EE}"/>
+              </a:ext>
+            </a:extLst>
+          </p:cNvPr>
+          <p:cNvPicPr>
+            <a:picLocks noChangeAspect="1" noChangeArrowheads="1"/>
+          </p:cNvPicPr>
+          <p:nvPr/>
+        </p:nvPicPr>
+        <p:blipFill>
+          <a:blip r:embed="rId4">
+            <a:duotone>
+              <a:schemeClr val="accent4">
+                <a:shade val="45000"/>
+                <a:satMod val="135000"/>
+              </a:schemeClr>
+              <a:prstClr val="white"/>
+            </a:duotone>
+            <a:extLst>
+              <a:ext uri="{28A0092B-C50C-407E-A947-70E740481C1C}">
+                <a14:useLocalDpi xmlns:a14="http://schemas.microsoft.com/office/drawing/2010/main" val="0"/>
+              </a:ext>
+            </a:extLst>
+          </a:blip>
+          <a:srcRect/>
+          <a:stretch>
+            <a:fillRect/>
+          </a:stretch>
+        </p:blipFill>
+        <p:spPr bwMode="auto">
+          <a:xfrm>
+            <a:off x="2172328" y="2926586"/>
+            <a:ext cx="905887" cy="890833"/>
+          </a:xfrm>
+          <a:prstGeom prst="rect">
+            <a:avLst/>
+          </a:prstGeom>
+          <a:noFill/>
+          <a:extLst>
+            <a:ext uri="{909E8E84-426E-40DD-AFC4-6F175D3DCCD1}">
+              <a14:hiddenFill xmlns:a14="http://schemas.microsoft.com/office/drawing/2010/main">
+                <a:solidFill>
+                  <a:srgbClr val="FFFFFF"/>
+                </a:solidFill>
+              </a14:hiddenFill>
+            </a:ext>
+          </a:extLst>
+        </p:spPr>
+      </p:pic>
+      <p:pic>
+        <p:nvPicPr>
+          <p:cNvPr id="14" name="Picture 2" descr="Image result for pikachu">
+            <a:extLst>
+              <a:ext uri="{FF2B5EF4-FFF2-40B4-BE49-F238E27FC236}">
+                <a16:creationId xmlns:a16="http://schemas.microsoft.com/office/drawing/2014/main" id="{4C7C6086-B23A-44ED-9EA0-C2986D2E91DB}"/>
+              </a:ext>
+            </a:extLst>
+          </p:cNvPr>
+          <p:cNvPicPr>
+            <a:picLocks noChangeAspect="1" noChangeArrowheads="1"/>
+          </p:cNvPicPr>
+          <p:nvPr/>
+        </p:nvPicPr>
+        <p:blipFill>
+          <a:blip r:embed="rId4">
+            <a:duotone>
+              <a:schemeClr val="accent4">
+                <a:shade val="45000"/>
+                <a:satMod val="135000"/>
+              </a:schemeClr>
+              <a:prstClr val="white"/>
+            </a:duotone>
+            <a:extLst>
+              <a:ext uri="{28A0092B-C50C-407E-A947-70E740481C1C}">
+                <a14:useLocalDpi xmlns:a14="http://schemas.microsoft.com/office/drawing/2010/main" val="0"/>
+              </a:ext>
+            </a:extLst>
+          </a:blip>
+          <a:srcRect/>
+          <a:stretch>
+            <a:fillRect/>
+          </a:stretch>
+        </p:blipFill>
+        <p:spPr bwMode="auto">
+          <a:xfrm>
+            <a:off x="2172328" y="4007793"/>
+            <a:ext cx="905887" cy="890833"/>
+          </a:xfrm>
+          <a:prstGeom prst="rect">
+            <a:avLst/>
+          </a:prstGeom>
+          <a:noFill/>
+          <a:extLst>
+            <a:ext uri="{909E8E84-426E-40DD-AFC4-6F175D3DCCD1}">
+              <a14:hiddenFill xmlns:a14="http://schemas.microsoft.com/office/drawing/2010/main">
+                <a:solidFill>
+                  <a:srgbClr val="FFFFFF"/>
+                </a:solidFill>
+              </a14:hiddenFill>
+            </a:ext>
+          </a:extLst>
+        </p:spPr>
+      </p:pic>
+      <p:pic>
+        <p:nvPicPr>
+          <p:cNvPr id="15" name="Picture 2" descr="Image result for pikachu">
+            <a:extLst>
+              <a:ext uri="{FF2B5EF4-FFF2-40B4-BE49-F238E27FC236}">
+                <a16:creationId xmlns:a16="http://schemas.microsoft.com/office/drawing/2014/main" id="{F3AED774-D50C-4F3F-9349-2DA66EA1C56D}"/>
+              </a:ext>
+            </a:extLst>
+          </p:cNvPr>
+          <p:cNvPicPr>
+            <a:picLocks noChangeAspect="1" noChangeArrowheads="1"/>
+          </p:cNvPicPr>
+          <p:nvPr/>
+        </p:nvPicPr>
+        <p:blipFill>
+          <a:blip r:embed="rId4">
+            <a:duotone>
+              <a:schemeClr val="accent4">
+                <a:shade val="45000"/>
+                <a:satMod val="135000"/>
+              </a:schemeClr>
+              <a:prstClr val="white"/>
+            </a:duotone>
+            <a:extLst>
+              <a:ext uri="{28A0092B-C50C-407E-A947-70E740481C1C}">
+                <a14:useLocalDpi xmlns:a14="http://schemas.microsoft.com/office/drawing/2010/main" val="0"/>
+              </a:ext>
+            </a:extLst>
+          </a:blip>
+          <a:srcRect/>
+          <a:stretch>
+            <a:fillRect/>
+          </a:stretch>
+        </p:blipFill>
+        <p:spPr bwMode="auto">
+          <a:xfrm>
+            <a:off x="3365674" y="1869400"/>
+            <a:ext cx="905887" cy="890833"/>
+          </a:xfrm>
+          <a:prstGeom prst="rect">
+            <a:avLst/>
+          </a:prstGeom>
+          <a:noFill/>
+          <a:extLst>
+            <a:ext uri="{909E8E84-426E-40DD-AFC4-6F175D3DCCD1}">
+              <a14:hiddenFill xmlns:a14="http://schemas.microsoft.com/office/drawing/2010/main">
+                <a:solidFill>
+                  <a:srgbClr val="FFFFFF"/>
+                </a:solidFill>
+              </a14:hiddenFill>
+            </a:ext>
+          </a:extLst>
+        </p:spPr>
+      </p:pic>
+      <p:pic>
+        <p:nvPicPr>
+          <p:cNvPr id="16" name="Picture 2" descr="Image result for pikachu">
+            <a:extLst>
+              <a:ext uri="{FF2B5EF4-FFF2-40B4-BE49-F238E27FC236}">
+                <a16:creationId xmlns:a16="http://schemas.microsoft.com/office/drawing/2014/main" id="{B5245E67-78F0-4C3A-A4B3-ED889AFBD7D4}"/>
+              </a:ext>
+            </a:extLst>
+          </p:cNvPr>
+          <p:cNvPicPr>
+            <a:picLocks noChangeAspect="1" noChangeArrowheads="1"/>
+          </p:cNvPicPr>
+          <p:nvPr/>
+        </p:nvPicPr>
+        <p:blipFill>
+          <a:blip r:embed="rId4">
+            <a:duotone>
+              <a:schemeClr val="accent4">
+                <a:shade val="45000"/>
+                <a:satMod val="135000"/>
+              </a:schemeClr>
+              <a:prstClr val="white"/>
+            </a:duotone>
+            <a:extLst>
+              <a:ext uri="{28A0092B-C50C-407E-A947-70E740481C1C}">
+                <a14:useLocalDpi xmlns:a14="http://schemas.microsoft.com/office/drawing/2010/main" val="0"/>
+              </a:ext>
+            </a:extLst>
+          </a:blip>
+          <a:srcRect/>
+          <a:stretch>
+            <a:fillRect/>
+          </a:stretch>
+        </p:blipFill>
+        <p:spPr bwMode="auto">
+          <a:xfrm>
+            <a:off x="3365674" y="2926586"/>
+            <a:ext cx="905887" cy="890833"/>
+          </a:xfrm>
+          <a:prstGeom prst="rect">
+            <a:avLst/>
+          </a:prstGeom>
+          <a:noFill/>
+          <a:extLst>
+            <a:ext uri="{909E8E84-426E-40DD-AFC4-6F175D3DCCD1}">
+              <a14:hiddenFill xmlns:a14="http://schemas.microsoft.com/office/drawing/2010/main">
+                <a:solidFill>
+                  <a:srgbClr val="FFFFFF"/>
+                </a:solidFill>
+              </a14:hiddenFill>
+            </a:ext>
+          </a:extLst>
+        </p:spPr>
+      </p:pic>
+      <p:pic>
+        <p:nvPicPr>
+          <p:cNvPr id="17" name="Picture 2" descr="Image result for pikachu">
+            <a:extLst>
+              <a:ext uri="{FF2B5EF4-FFF2-40B4-BE49-F238E27FC236}">
+                <a16:creationId xmlns:a16="http://schemas.microsoft.com/office/drawing/2014/main" id="{2CED241F-0BB8-4A99-89C5-808A1FEA258D}"/>
+              </a:ext>
+            </a:extLst>
+          </p:cNvPr>
+          <p:cNvPicPr>
+            <a:picLocks noChangeAspect="1" noChangeArrowheads="1"/>
+          </p:cNvPicPr>
+          <p:nvPr/>
+        </p:nvPicPr>
+        <p:blipFill>
+          <a:blip r:embed="rId4">
+            <a:duotone>
+              <a:schemeClr val="accent4">
+                <a:shade val="45000"/>
+                <a:satMod val="135000"/>
+              </a:schemeClr>
+              <a:prstClr val="white"/>
+            </a:duotone>
+            <a:extLst>
+              <a:ext uri="{28A0092B-C50C-407E-A947-70E740481C1C}">
+                <a14:useLocalDpi xmlns:a14="http://schemas.microsoft.com/office/drawing/2010/main" val="0"/>
+              </a:ext>
+            </a:extLst>
+          </a:blip>
+          <a:srcRect/>
+          <a:stretch>
+            <a:fillRect/>
+          </a:stretch>
+        </p:blipFill>
+        <p:spPr bwMode="auto">
+          <a:xfrm>
+            <a:off x="3365674" y="4007793"/>
+            <a:ext cx="905887" cy="890833"/>
+          </a:xfrm>
+          <a:prstGeom prst="rect">
+            <a:avLst/>
+          </a:prstGeom>
+          <a:noFill/>
+          <a:extLst>
+            <a:ext uri="{909E8E84-426E-40DD-AFC4-6F175D3DCCD1}">
+              <a14:hiddenFill xmlns:a14="http://schemas.microsoft.com/office/drawing/2010/main">
+                <a:solidFill>
+                  <a:srgbClr val="FFFFFF"/>
+                </a:solidFill>
+              </a14:hiddenFill>
+            </a:ext>
+          </a:extLst>
+        </p:spPr>
+      </p:pic>
+      <p:pic>
+        <p:nvPicPr>
+          <p:cNvPr id="18" name="Picture 2" descr="Image result for pikachu">
+            <a:extLst>
+              <a:ext uri="{FF2B5EF4-FFF2-40B4-BE49-F238E27FC236}">
+                <a16:creationId xmlns:a16="http://schemas.microsoft.com/office/drawing/2014/main" id="{BFFF975F-4821-453F-9405-78FF8F7C9B3B}"/>
+              </a:ext>
+            </a:extLst>
+          </p:cNvPr>
+          <p:cNvPicPr>
+            <a:picLocks noChangeAspect="1" noChangeArrowheads="1"/>
+          </p:cNvPicPr>
+          <p:nvPr/>
+        </p:nvPicPr>
+        <p:blipFill>
+          <a:blip r:embed="rId4">
+            <a:duotone>
+              <a:schemeClr val="accent4">
+                <a:shade val="45000"/>
+                <a:satMod val="135000"/>
+              </a:schemeClr>
+              <a:prstClr val="white"/>
+            </a:duotone>
+            <a:extLst>
+              <a:ext uri="{28A0092B-C50C-407E-A947-70E740481C1C}">
+                <a14:useLocalDpi xmlns:a14="http://schemas.microsoft.com/office/drawing/2010/main" val="0"/>
+              </a:ext>
+            </a:extLst>
+          </a:blip>
+          <a:srcRect/>
+          <a:stretch>
+            <a:fillRect/>
+          </a:stretch>
+        </p:blipFill>
+        <p:spPr bwMode="auto">
+          <a:xfrm>
+            <a:off x="4483906" y="1869400"/>
+            <a:ext cx="905887" cy="890833"/>
+          </a:xfrm>
+          <a:prstGeom prst="rect">
+            <a:avLst/>
+          </a:prstGeom>
+          <a:noFill/>
+          <a:extLst>
+            <a:ext uri="{909E8E84-426E-40DD-AFC4-6F175D3DCCD1}">
+              <a14:hiddenFill xmlns:a14="http://schemas.microsoft.com/office/drawing/2010/main">
+                <a:solidFill>
+                  <a:srgbClr val="FFFFFF"/>
+                </a:solidFill>
+              </a14:hiddenFill>
+            </a:ext>
+          </a:extLst>
+        </p:spPr>
+      </p:pic>
+      <p:pic>
+        <p:nvPicPr>
+          <p:cNvPr id="19" name="Picture 2" descr="Image result for pikachu">
+            <a:extLst>
+              <a:ext uri="{FF2B5EF4-FFF2-40B4-BE49-F238E27FC236}">
+                <a16:creationId xmlns:a16="http://schemas.microsoft.com/office/drawing/2014/main" id="{ABAD45DB-1B26-46D8-BCD9-5AA38CC0D01F}"/>
+              </a:ext>
+            </a:extLst>
+          </p:cNvPr>
+          <p:cNvPicPr>
+            <a:picLocks noChangeAspect="1" noChangeArrowheads="1"/>
+          </p:cNvPicPr>
+          <p:nvPr/>
+        </p:nvPicPr>
+        <p:blipFill>
+          <a:blip r:embed="rId4">
+            <a:duotone>
+              <a:schemeClr val="accent4">
+                <a:shade val="45000"/>
+                <a:satMod val="135000"/>
+              </a:schemeClr>
+              <a:prstClr val="white"/>
+            </a:duotone>
+            <a:extLst>
+              <a:ext uri="{28A0092B-C50C-407E-A947-70E740481C1C}">
+                <a14:useLocalDpi xmlns:a14="http://schemas.microsoft.com/office/drawing/2010/main" val="0"/>
+              </a:ext>
+            </a:extLst>
+          </a:blip>
+          <a:srcRect/>
+          <a:stretch>
+            <a:fillRect/>
+          </a:stretch>
+        </p:blipFill>
+        <p:spPr bwMode="auto">
+          <a:xfrm>
+            <a:off x="4483906" y="2926586"/>
+            <a:ext cx="905887" cy="890833"/>
+          </a:xfrm>
+          <a:prstGeom prst="rect">
+            <a:avLst/>
+          </a:prstGeom>
+          <a:noFill/>
+          <a:extLst>
+            <a:ext uri="{909E8E84-426E-40DD-AFC4-6F175D3DCCD1}">
+              <a14:hiddenFill xmlns:a14="http://schemas.microsoft.com/office/drawing/2010/main">
+                <a:solidFill>
+                  <a:srgbClr val="FFFFFF"/>
+                </a:solidFill>
+              </a14:hiddenFill>
+            </a:ext>
+          </a:extLst>
+        </p:spPr>
+      </p:pic>
+      <p:pic>
+        <p:nvPicPr>
+          <p:cNvPr id="20" name="Picture 2" descr="Image result for pikachu">
+            <a:extLst>
+              <a:ext uri="{FF2B5EF4-FFF2-40B4-BE49-F238E27FC236}">
+                <a16:creationId xmlns:a16="http://schemas.microsoft.com/office/drawing/2014/main" id="{BFD7F3EA-ACFA-4564-BD64-BE89F6A730C5}"/>
+              </a:ext>
+            </a:extLst>
+          </p:cNvPr>
+          <p:cNvPicPr>
+            <a:picLocks noChangeAspect="1" noChangeArrowheads="1"/>
+          </p:cNvPicPr>
+          <p:nvPr/>
+        </p:nvPicPr>
+        <p:blipFill>
+          <a:blip r:embed="rId4">
+            <a:duotone>
+              <a:schemeClr val="accent4">
+                <a:shade val="45000"/>
+                <a:satMod val="135000"/>
+              </a:schemeClr>
+              <a:prstClr val="white"/>
+            </a:duotone>
+            <a:extLst>
+              <a:ext uri="{28A0092B-C50C-407E-A947-70E740481C1C}">
+                <a14:useLocalDpi xmlns:a14="http://schemas.microsoft.com/office/drawing/2010/main" val="0"/>
+              </a:ext>
+            </a:extLst>
+          </a:blip>
+          <a:srcRect/>
+          <a:stretch>
+            <a:fillRect/>
+          </a:stretch>
+        </p:blipFill>
+        <p:spPr bwMode="auto">
+          <a:xfrm>
+            <a:off x="4483906" y="4007793"/>
+            <a:ext cx="905887" cy="890833"/>
+          </a:xfrm>
+          <a:prstGeom prst="rect">
+            <a:avLst/>
+          </a:prstGeom>
+          <a:noFill/>
+          <a:extLst>
+            <a:ext uri="{909E8E84-426E-40DD-AFC4-6F175D3DCCD1}">
+              <a14:hiddenFill xmlns:a14="http://schemas.microsoft.com/office/drawing/2010/main">
+                <a:solidFill>
+                  <a:srgbClr val="FFFFFF"/>
+                </a:solidFill>
+              </a14:hiddenFill>
+            </a:ext>
+          </a:extLst>
+        </p:spPr>
+      </p:pic>
+      <p:sp>
+        <p:nvSpPr>
+          <p:cNvPr id="3" name="Rectangle 2">
+            <a:extLst>
+              <a:ext uri="{FF2B5EF4-FFF2-40B4-BE49-F238E27FC236}">
+                <a16:creationId xmlns:a16="http://schemas.microsoft.com/office/drawing/2014/main" id="{0D4D8124-DCF7-42BB-A05C-F2BEFA5105B9}"/>
+              </a:ext>
+            </a:extLst>
+          </p:cNvPr>
+          <p:cNvSpPr/>
+          <p:nvPr/>
+        </p:nvSpPr>
+        <p:spPr>
+          <a:xfrm>
+            <a:off x="7952015" y="1555685"/>
+            <a:ext cx="1371600" cy="1312592"/>
+          </a:xfrm>
+          <a:prstGeom prst="rect">
+            <a:avLst/>
+          </a:prstGeom>
+          <a:solidFill>
+            <a:srgbClr val="B62647"/>
+          </a:solidFill>
+          <a:ln>
+            <a:noFill/>
+          </a:ln>
+        </p:spPr>
+        <p:style>
+          <a:lnRef idx="2">
+            <a:schemeClr val="accent1">
+              <a:shade val="50000"/>
+            </a:schemeClr>
+          </a:lnRef>
+          <a:fillRef idx="1">
+            <a:schemeClr val="accent1"/>
+          </a:fillRef>
+          <a:effectRef idx="0">
+            <a:schemeClr val="accent1"/>
+          </a:effectRef>
+          <a:fontRef idx="minor">
+            <a:schemeClr val="lt1"/>
+          </a:fontRef>
+        </p:style>
+        <p:txBody>
+          <a:bodyPr rtlCol="0" anchor="ctr"/>
+          <a:lstStyle/>
+          <a:p>
+            <a:pPr algn="ctr"/>
+            <a:r>
+              <a:rPr lang="en-GB" sz="4000" dirty="0">
+                <a:latin typeface="Keep Calm Med" pitchFamily="2" charset="0"/>
+              </a:rPr>
+              <a:t>Je</a:t>
+            </a:r>
+          </a:p>
+        </p:txBody>
+      </p:sp>
+      <p:sp>
+        <p:nvSpPr>
+          <p:cNvPr id="21" name="Rectangle 20">
+            <a:extLst>
+              <a:ext uri="{FF2B5EF4-FFF2-40B4-BE49-F238E27FC236}">
+                <a16:creationId xmlns:a16="http://schemas.microsoft.com/office/drawing/2014/main" id="{41E88A35-FE4C-4F7F-9BB8-6F7B6079A7D4}"/>
+              </a:ext>
+            </a:extLst>
+          </p:cNvPr>
+          <p:cNvSpPr/>
+          <p:nvPr/>
+        </p:nvSpPr>
+        <p:spPr>
+          <a:xfrm>
+            <a:off x="7959636" y="2926586"/>
+            <a:ext cx="1371600" cy="1312592"/>
+          </a:xfrm>
+          <a:prstGeom prst="rect">
+            <a:avLst/>
+          </a:prstGeom>
+          <a:solidFill>
+            <a:srgbClr val="4C4B91"/>
+          </a:solidFill>
+          <a:ln>
+            <a:noFill/>
+          </a:ln>
+        </p:spPr>
+        <p:style>
+          <a:lnRef idx="2">
+            <a:schemeClr val="accent1">
+              <a:shade val="50000"/>
+            </a:schemeClr>
+          </a:lnRef>
+          <a:fillRef idx="1">
+            <a:schemeClr val="accent1"/>
+          </a:fillRef>
+          <a:effectRef idx="0">
+            <a:schemeClr val="accent1"/>
+          </a:effectRef>
+          <a:fontRef idx="minor">
+            <a:schemeClr val="lt1"/>
+          </a:fontRef>
+        </p:style>
+        <p:txBody>
+          <a:bodyPr rtlCol="0" anchor="ctr"/>
+          <a:lstStyle/>
+          <a:p>
+            <a:pPr algn="ctr"/>
+            <a:r>
+              <a:rPr lang="en-GB" sz="4000" dirty="0" err="1">
+                <a:latin typeface="Keep Calm Med" pitchFamily="2" charset="0"/>
+              </a:rPr>
+              <a:t>Ja</a:t>
+            </a:r>
+            <a:endParaRPr lang="en-GB" sz="4000" dirty="0">
+              <a:latin typeface="Keep Calm Med" pitchFamily="2" charset="0"/>
+            </a:endParaRPr>
+          </a:p>
+        </p:txBody>
+      </p:sp>
+      <p:sp>
+        <p:nvSpPr>
+          <p:cNvPr id="25" name="TextBox 24">
+            <a:extLst>
+              <a:ext uri="{FF2B5EF4-FFF2-40B4-BE49-F238E27FC236}">
+                <a16:creationId xmlns:a16="http://schemas.microsoft.com/office/drawing/2014/main" id="{1B73E840-A0E4-4E3B-9F99-D6A8FCCC6607}"/>
               </a:ext>
             </a:extLst>
           </p:cNvPr>
@@ -3827,8 +5364,8 @@
         </p:nvSpPr>
         <p:spPr>
           <a:xfrm>
-            <a:off x="1189990" y="1869401"/>
-            <a:ext cx="9692640" cy="3600986"/>
+            <a:off x="2751908" y="5523971"/>
+            <a:ext cx="2133600" cy="369332"/>
           </a:xfrm>
           <a:prstGeom prst="rect">
             <a:avLst/>
@@ -3841,78 +5378,934 @@
           </a:bodyPr>
           <a:lstStyle/>
           <a:p>
-            <a:pPr marL="285750" indent="-285750">
-              <a:spcAft>
-                <a:spcPts val="2400"/>
-              </a:spcAft>
-              <a:buFont typeface="Arial" panose="020B0604020202020204" pitchFamily="34" charset="0"/>
-              <a:buChar char="•"/>
-            </a:pPr>
             <a:r>
-              <a:rPr lang="en-GB" sz="2400" dirty="0">
-                <a:latin typeface="Gill Sans MT" panose="020B0502020104020203" pitchFamily="34" charset="0"/>
-              </a:rPr>
-              <a:t>How do bacterial communities from different temperature backgrounds respond to different temperature treatments, including ‘pulses’ of extreme high and low temperatures?</a:t>
+              <a:rPr lang="en-GB" b="1" dirty="0"/>
+              <a:t>Number of Stressors</a:t>
             </a:r>
-          </a:p>
-          <a:p>
-            <a:pPr marL="285750" indent="-285750">
-              <a:spcAft>
-                <a:spcPts val="2400"/>
-              </a:spcAft>
-              <a:buFont typeface="Arial" panose="020B0604020202020204" pitchFamily="34" charset="0"/>
-              <a:buChar char="•"/>
-            </a:pPr>
-            <a:r>
-              <a:rPr lang="en-GB" sz="2400" dirty="0">
-                <a:latin typeface="Gill Sans MT" panose="020B0502020104020203" pitchFamily="34" charset="0"/>
-              </a:rPr>
-              <a:t>How do they respond to chemical/physical stressors plus a mixture of the two under different temperature regimes?</a:t>
-            </a:r>
-          </a:p>
-          <a:p>
-            <a:pPr marL="285750" indent="-285750">
-              <a:spcAft>
-                <a:spcPts val="2400"/>
-              </a:spcAft>
-              <a:buFont typeface="Arial" panose="020B0604020202020204" pitchFamily="34" charset="0"/>
-              <a:buChar char="•"/>
-            </a:pPr>
-            <a:r>
-              <a:rPr lang="en-GB" sz="2400" dirty="0">
-                <a:latin typeface="Gill Sans MT" panose="020B0502020104020203" pitchFamily="34" charset="0"/>
-              </a:rPr>
-              <a:t>How does community complexity affect responses?</a:t>
-            </a:r>
-          </a:p>
-          <a:p>
-            <a:pPr marL="285750" indent="-285750">
-              <a:spcAft>
-                <a:spcPts val="2400"/>
-              </a:spcAft>
-              <a:buFont typeface="Arial" panose="020B0604020202020204" pitchFamily="34" charset="0"/>
-              <a:buChar char="•"/>
-            </a:pPr>
-            <a:endParaRPr lang="en-GB" sz="2400" dirty="0">
-              <a:latin typeface="Gill Sans MT" panose="020B0502020104020203" pitchFamily="34" charset="0"/>
-            </a:endParaRPr>
           </a:p>
         </p:txBody>
       </p:sp>
+      <p:sp>
+        <p:nvSpPr>
+          <p:cNvPr id="28" name="TextBox 27">
+            <a:extLst>
+              <a:ext uri="{FF2B5EF4-FFF2-40B4-BE49-F238E27FC236}">
+                <a16:creationId xmlns:a16="http://schemas.microsoft.com/office/drawing/2014/main" id="{DA9C93B6-ED32-4D1D-B49C-B176CBDF2D8A}"/>
+              </a:ext>
+            </a:extLst>
+          </p:cNvPr>
+          <p:cNvSpPr txBox="1"/>
+          <p:nvPr/>
+        </p:nvSpPr>
+        <p:spPr>
+          <a:xfrm rot="16200000">
+            <a:off x="311255" y="3196950"/>
+            <a:ext cx="2133600" cy="369332"/>
+          </a:xfrm>
+          <a:prstGeom prst="rect">
+            <a:avLst/>
+          </a:prstGeom>
+          <a:noFill/>
+        </p:spPr>
+        <p:txBody>
+          <a:bodyPr wrap="square" rtlCol="0">
+            <a:spAutoFit/>
+          </a:bodyPr>
+          <a:lstStyle/>
+          <a:p>
+            <a:pPr algn="ctr"/>
+            <a:r>
+              <a:rPr lang="en-GB" b="1" dirty="0"/>
+              <a:t>Mortality</a:t>
+            </a:r>
+          </a:p>
+        </p:txBody>
+      </p:sp>
+      <p:sp>
+        <p:nvSpPr>
+          <p:cNvPr id="29" name="Rectangle 28">
+            <a:extLst>
+              <a:ext uri="{FF2B5EF4-FFF2-40B4-BE49-F238E27FC236}">
+                <a16:creationId xmlns:a16="http://schemas.microsoft.com/office/drawing/2014/main" id="{45117D80-8FC8-4A47-A01A-3F5BF513D364}"/>
+              </a:ext>
+            </a:extLst>
+          </p:cNvPr>
+          <p:cNvSpPr/>
+          <p:nvPr/>
+        </p:nvSpPr>
+        <p:spPr>
+          <a:xfrm>
+            <a:off x="7959636" y="4297487"/>
+            <a:ext cx="1371600" cy="1312592"/>
+          </a:xfrm>
+          <a:prstGeom prst="rect">
+            <a:avLst/>
+          </a:prstGeom>
+          <a:solidFill>
+            <a:schemeClr val="tx1"/>
+          </a:solidFill>
+          <a:ln>
+            <a:noFill/>
+          </a:ln>
+        </p:spPr>
+        <p:style>
+          <a:lnRef idx="2">
+            <a:schemeClr val="accent1">
+              <a:shade val="50000"/>
+            </a:schemeClr>
+          </a:lnRef>
+          <a:fillRef idx="1">
+            <a:schemeClr val="accent1"/>
+          </a:fillRef>
+          <a:effectRef idx="0">
+            <a:schemeClr val="accent1"/>
+          </a:effectRef>
+          <a:fontRef idx="minor">
+            <a:schemeClr val="lt1"/>
+          </a:fontRef>
+        </p:style>
+        <p:txBody>
+          <a:bodyPr rtlCol="0" anchor="ctr"/>
+          <a:lstStyle/>
+          <a:p>
+            <a:pPr algn="ctr"/>
+            <a:r>
+              <a:rPr lang="en-GB" sz="4000" dirty="0">
+                <a:latin typeface="Keep Calm Med" pitchFamily="2" charset="0"/>
+              </a:rPr>
+              <a:t>Gi</a:t>
+            </a:r>
+          </a:p>
+        </p:txBody>
+      </p:sp>
+      <p:cxnSp>
+        <p:nvCxnSpPr>
+          <p:cNvPr id="27" name="Straight Connector 26">
+            <a:extLst>
+              <a:ext uri="{FF2B5EF4-FFF2-40B4-BE49-F238E27FC236}">
+                <a16:creationId xmlns:a16="http://schemas.microsoft.com/office/drawing/2014/main" id="{6F863D06-3ED2-4781-AED7-37C89D274FD0}"/>
+              </a:ext>
+            </a:extLst>
+          </p:cNvPr>
+          <p:cNvCxnSpPr>
+            <a:cxnSpLocks/>
+          </p:cNvCxnSpPr>
+          <p:nvPr/>
+        </p:nvCxnSpPr>
+        <p:spPr>
+          <a:xfrm flipV="1">
+            <a:off x="1665514" y="4285706"/>
+            <a:ext cx="1086394" cy="1086395"/>
+          </a:xfrm>
+          <a:prstGeom prst="line">
+            <a:avLst/>
+          </a:prstGeom>
+          <a:ln w="57150">
+            <a:solidFill>
+              <a:schemeClr val="accent2"/>
+            </a:solidFill>
+          </a:ln>
+        </p:spPr>
+        <p:style>
+          <a:lnRef idx="1">
+            <a:schemeClr val="accent1"/>
+          </a:lnRef>
+          <a:fillRef idx="0">
+            <a:schemeClr val="accent1"/>
+          </a:fillRef>
+          <a:effectRef idx="0">
+            <a:schemeClr val="accent1"/>
+          </a:effectRef>
+          <a:fontRef idx="minor">
+            <a:schemeClr val="tx1"/>
+          </a:fontRef>
+        </p:style>
+      </p:cxnSp>
+      <p:cxnSp>
+        <p:nvCxnSpPr>
+          <p:cNvPr id="35" name="Straight Connector 34">
+            <a:extLst>
+              <a:ext uri="{FF2B5EF4-FFF2-40B4-BE49-F238E27FC236}">
+                <a16:creationId xmlns:a16="http://schemas.microsoft.com/office/drawing/2014/main" id="{A3EB21D8-B11B-4695-B586-AA4D2B36CF34}"/>
+              </a:ext>
+            </a:extLst>
+          </p:cNvPr>
+          <p:cNvCxnSpPr>
+            <a:cxnSpLocks/>
+          </p:cNvCxnSpPr>
+          <p:nvPr/>
+        </p:nvCxnSpPr>
+        <p:spPr>
+          <a:xfrm flipV="1">
+            <a:off x="2697798" y="3252790"/>
+            <a:ext cx="1086394" cy="1086395"/>
+          </a:xfrm>
+          <a:prstGeom prst="line">
+            <a:avLst/>
+          </a:prstGeom>
+          <a:ln w="57150">
+            <a:solidFill>
+              <a:schemeClr val="accent2"/>
+            </a:solidFill>
+          </a:ln>
+        </p:spPr>
+        <p:style>
+          <a:lnRef idx="1">
+            <a:schemeClr val="accent1"/>
+          </a:lnRef>
+          <a:fillRef idx="0">
+            <a:schemeClr val="accent1"/>
+          </a:fillRef>
+          <a:effectRef idx="0">
+            <a:schemeClr val="accent1"/>
+          </a:effectRef>
+          <a:fontRef idx="minor">
+            <a:schemeClr val="tx1"/>
+          </a:fontRef>
+        </p:style>
+      </p:cxnSp>
+      <p:cxnSp>
+        <p:nvCxnSpPr>
+          <p:cNvPr id="36" name="Straight Connector 35">
+            <a:extLst>
+              <a:ext uri="{FF2B5EF4-FFF2-40B4-BE49-F238E27FC236}">
+                <a16:creationId xmlns:a16="http://schemas.microsoft.com/office/drawing/2014/main" id="{031151B5-2FED-454E-A446-BEC84026EF99}"/>
+              </a:ext>
+            </a:extLst>
+          </p:cNvPr>
+          <p:cNvCxnSpPr>
+            <a:cxnSpLocks/>
+          </p:cNvCxnSpPr>
+          <p:nvPr/>
+        </p:nvCxnSpPr>
+        <p:spPr>
+          <a:xfrm flipV="1">
+            <a:off x="3753313" y="2198728"/>
+            <a:ext cx="1086394" cy="1086395"/>
+          </a:xfrm>
+          <a:prstGeom prst="line">
+            <a:avLst/>
+          </a:prstGeom>
+          <a:ln w="57150">
+            <a:solidFill>
+              <a:schemeClr val="accent2"/>
+            </a:solidFill>
+          </a:ln>
+        </p:spPr>
+        <p:style>
+          <a:lnRef idx="1">
+            <a:schemeClr val="accent1"/>
+          </a:lnRef>
+          <a:fillRef idx="0">
+            <a:schemeClr val="accent1"/>
+          </a:fillRef>
+          <a:effectRef idx="0">
+            <a:schemeClr val="accent1"/>
+          </a:effectRef>
+          <a:fontRef idx="minor">
+            <a:schemeClr val="tx1"/>
+          </a:fontRef>
+        </p:style>
+      </p:cxnSp>
+      <p:cxnSp>
+        <p:nvCxnSpPr>
+          <p:cNvPr id="7" name="Straight Arrow Connector 6">
+            <a:extLst>
+              <a:ext uri="{FF2B5EF4-FFF2-40B4-BE49-F238E27FC236}">
+                <a16:creationId xmlns:a16="http://schemas.microsoft.com/office/drawing/2014/main" id="{72B44AC0-9D60-4BA6-8DF8-26C7A227F2B6}"/>
+              </a:ext>
+            </a:extLst>
+          </p:cNvPr>
+          <p:cNvCxnSpPr/>
+          <p:nvPr/>
+        </p:nvCxnSpPr>
+        <p:spPr>
+          <a:xfrm flipV="1">
+            <a:off x="1665514" y="1289957"/>
+            <a:ext cx="0" cy="4082143"/>
+          </a:xfrm>
+          <a:prstGeom prst="straightConnector1">
+            <a:avLst/>
+          </a:prstGeom>
+          <a:ln w="57150">
+            <a:solidFill>
+              <a:schemeClr val="tx1"/>
+            </a:solidFill>
+            <a:tailEnd type="triangle"/>
+          </a:ln>
+        </p:spPr>
+        <p:style>
+          <a:lnRef idx="1">
+            <a:schemeClr val="accent1"/>
+          </a:lnRef>
+          <a:fillRef idx="0">
+            <a:schemeClr val="accent1"/>
+          </a:fillRef>
+          <a:effectRef idx="0">
+            <a:schemeClr val="accent1"/>
+          </a:effectRef>
+          <a:fontRef idx="minor">
+            <a:schemeClr val="tx1"/>
+          </a:fontRef>
+        </p:style>
+      </p:cxnSp>
+      <p:cxnSp>
+        <p:nvCxnSpPr>
+          <p:cNvPr id="22" name="Straight Arrow Connector 21">
+            <a:extLst>
+              <a:ext uri="{FF2B5EF4-FFF2-40B4-BE49-F238E27FC236}">
+                <a16:creationId xmlns:a16="http://schemas.microsoft.com/office/drawing/2014/main" id="{1540A532-C246-4A00-B5BE-895E94168449}"/>
+              </a:ext>
+            </a:extLst>
+          </p:cNvPr>
+          <p:cNvCxnSpPr>
+            <a:cxnSpLocks/>
+          </p:cNvCxnSpPr>
+          <p:nvPr/>
+        </p:nvCxnSpPr>
+        <p:spPr>
+          <a:xfrm>
+            <a:off x="1639387" y="5372100"/>
+            <a:ext cx="4352109" cy="0"/>
+          </a:xfrm>
+          <a:prstGeom prst="straightConnector1">
+            <a:avLst/>
+          </a:prstGeom>
+          <a:ln w="57150">
+            <a:solidFill>
+              <a:schemeClr val="tx1"/>
+            </a:solidFill>
+            <a:tailEnd type="triangle"/>
+          </a:ln>
+        </p:spPr>
+        <p:style>
+          <a:lnRef idx="1">
+            <a:schemeClr val="accent1"/>
+          </a:lnRef>
+          <a:fillRef idx="0">
+            <a:schemeClr val="accent1"/>
+          </a:fillRef>
+          <a:effectRef idx="0">
+            <a:schemeClr val="accent1"/>
+          </a:effectRef>
+          <a:fontRef idx="minor">
+            <a:schemeClr val="tx1"/>
+          </a:fontRef>
+        </p:style>
+      </p:cxnSp>
     </p:spTree>
     <p:extLst>
       <p:ext uri="{BB962C8B-B14F-4D97-AF65-F5344CB8AC3E}">
-        <p14:creationId xmlns:p14="http://schemas.microsoft.com/office/powerpoint/2010/main" val="3287104950"/>
+        <p14:creationId xmlns:p14="http://schemas.microsoft.com/office/powerpoint/2010/main" val="3765880354"/>
       </p:ext>
     </p:extLst>
   </p:cSld>
   <p:clrMapOvr>
     <a:masterClrMapping/>
   </p:clrMapOvr>
+  <p:timing>
+    <p:tnLst>
+      <p:par>
+        <p:cTn id="1" dur="indefinite" restart="never" nodeType="tmRoot">
+          <p:childTnLst>
+            <p:seq concurrent="1" nextAc="seek">
+              <p:cTn id="2" dur="indefinite" nodeType="mainSeq">
+                <p:childTnLst>
+                  <p:par>
+                    <p:cTn id="3" fill="hold">
+                      <p:stCondLst>
+                        <p:cond delay="indefinite"/>
+                      </p:stCondLst>
+                      <p:childTnLst>
+                        <p:par>
+                          <p:cTn id="4" fill="hold">
+                            <p:stCondLst>
+                              <p:cond delay="0"/>
+                            </p:stCondLst>
+                            <p:childTnLst>
+                              <p:par>
+                                <p:cTn id="5" presetID="1" presetClass="entr" presetSubtype="0" fill="hold" grpId="0" nodeType="clickEffect">
+                                  <p:stCondLst>
+                                    <p:cond delay="0"/>
+                                  </p:stCondLst>
+                                  <p:childTnLst>
+                                    <p:set>
+                                      <p:cBhvr>
+                                        <p:cTn id="6" dur="1" fill="hold">
+                                          <p:stCondLst>
+                                            <p:cond delay="0"/>
+                                          </p:stCondLst>
+                                        </p:cTn>
+                                        <p:tgtEl>
+                                          <p:spTgt spid="3"/>
+                                        </p:tgtEl>
+                                        <p:attrNameLst>
+                                          <p:attrName>style.visibility</p:attrName>
+                                        </p:attrNameLst>
+                                      </p:cBhvr>
+                                      <p:to>
+                                        <p:strVal val="visible"/>
+                                      </p:to>
+                                    </p:set>
+                                  </p:childTnLst>
+                                </p:cTn>
+                              </p:par>
+                              <p:par>
+                                <p:cTn id="7" presetID="9" presetClass="emph" presetSubtype="0" nodeType="withEffect">
+                                  <p:stCondLst>
+                                    <p:cond delay="0"/>
+                                  </p:stCondLst>
+                                  <p:childTnLst>
+                                    <p:set>
+                                      <p:cBhvr>
+                                        <p:cTn id="8" dur="indefinite"/>
+                                        <p:tgtEl>
+                                          <p:spTgt spid="2050"/>
+                                        </p:tgtEl>
+                                        <p:attrNameLst>
+                                          <p:attrName>style.opacity</p:attrName>
+                                        </p:attrNameLst>
+                                      </p:cBhvr>
+                                      <p:to>
+                                        <p:strVal val="0.25"/>
+                                      </p:to>
+                                    </p:set>
+                                    <p:animEffect filter="image" prLst="opacity: 0.25">
+                                      <p:cBhvr rctx="IE">
+                                        <p:cTn id="9" dur="indefinite"/>
+                                        <p:tgtEl>
+                                          <p:spTgt spid="2050"/>
+                                        </p:tgtEl>
+                                      </p:cBhvr>
+                                    </p:animEffect>
+                                  </p:childTnLst>
+                                  <p:subTnLst>
+                                    <p:audio>
+                                      <p:cMediaNode>
+                                        <p:cTn display="0" masterRel="sameClick">
+                                          <p:stCondLst>
+                                            <p:cond evt="begin" delay="0">
+                                              <p:tn val="7"/>
+                                            </p:cond>
+                                          </p:stCondLst>
+                                          <p:endCondLst>
+                                            <p:cond evt="onStopAudio" delay="0">
+                                              <p:tgtEl>
+                                                <p:sldTgt/>
+                                              </p:tgtEl>
+                                            </p:cond>
+                                          </p:endCondLst>
+                                        </p:cTn>
+                                        <p:tgtEl>
+                                          <p:sndTgt r:embed="rId3" name="whoosh.wav"/>
+                                        </p:tgtEl>
+                                      </p:cMediaNode>
+                                    </p:audio>
+                                  </p:subTnLst>
+                                </p:cTn>
+                              </p:par>
+                              <p:par>
+                                <p:cTn id="10" presetID="9" presetClass="emph" presetSubtype="0" nodeType="withEffect">
+                                  <p:stCondLst>
+                                    <p:cond delay="0"/>
+                                  </p:stCondLst>
+                                  <p:childTnLst>
+                                    <p:set>
+                                      <p:cBhvr>
+                                        <p:cTn id="11" dur="indefinite"/>
+                                        <p:tgtEl>
+                                          <p:spTgt spid="20"/>
+                                        </p:tgtEl>
+                                        <p:attrNameLst>
+                                          <p:attrName>style.opacity</p:attrName>
+                                        </p:attrNameLst>
+                                      </p:cBhvr>
+                                      <p:to>
+                                        <p:strVal val="0.25"/>
+                                      </p:to>
+                                    </p:set>
+                                    <p:animEffect filter="image" prLst="opacity: 0.25">
+                                      <p:cBhvr rctx="IE">
+                                        <p:cTn id="12" dur="indefinite"/>
+                                        <p:tgtEl>
+                                          <p:spTgt spid="20"/>
+                                        </p:tgtEl>
+                                      </p:cBhvr>
+                                    </p:animEffect>
+                                  </p:childTnLst>
+                                  <p:subTnLst>
+                                    <p:audio>
+                                      <p:cMediaNode>
+                                        <p:cTn display="0" masterRel="sameClick">
+                                          <p:stCondLst>
+                                            <p:cond evt="begin" delay="0">
+                                              <p:tn val="10"/>
+                                            </p:cond>
+                                          </p:stCondLst>
+                                          <p:endCondLst>
+                                            <p:cond evt="onStopAudio" delay="0">
+                                              <p:tgtEl>
+                                                <p:sldTgt/>
+                                              </p:tgtEl>
+                                            </p:cond>
+                                          </p:endCondLst>
+                                        </p:cTn>
+                                        <p:tgtEl>
+                                          <p:sndTgt r:embed="rId3" name="whoosh.wav"/>
+                                        </p:tgtEl>
+                                      </p:cMediaNode>
+                                    </p:audio>
+                                  </p:subTnLst>
+                                </p:cTn>
+                              </p:par>
+                              <p:par>
+                                <p:cTn id="13" presetID="22" presetClass="entr" presetSubtype="4" fill="hold" nodeType="withEffect">
+                                  <p:stCondLst>
+                                    <p:cond delay="0"/>
+                                  </p:stCondLst>
+                                  <p:childTnLst>
+                                    <p:set>
+                                      <p:cBhvr>
+                                        <p:cTn id="14" dur="1" fill="hold">
+                                          <p:stCondLst>
+                                            <p:cond delay="0"/>
+                                          </p:stCondLst>
+                                        </p:cTn>
+                                        <p:tgtEl>
+                                          <p:spTgt spid="27"/>
+                                        </p:tgtEl>
+                                        <p:attrNameLst>
+                                          <p:attrName>style.visibility</p:attrName>
+                                        </p:attrNameLst>
+                                      </p:cBhvr>
+                                      <p:to>
+                                        <p:strVal val="visible"/>
+                                      </p:to>
+                                    </p:set>
+                                    <p:animEffect transition="in" filter="wipe(down)">
+                                      <p:cBhvr>
+                                        <p:cTn id="15" dur="500"/>
+                                        <p:tgtEl>
+                                          <p:spTgt spid="27"/>
+                                        </p:tgtEl>
+                                      </p:cBhvr>
+                                    </p:animEffect>
+                                  </p:childTnLst>
+                                </p:cTn>
+                              </p:par>
+                            </p:childTnLst>
+                          </p:cTn>
+                        </p:par>
+                      </p:childTnLst>
+                    </p:cTn>
+                  </p:par>
+                  <p:par>
+                    <p:cTn id="16" fill="hold">
+                      <p:stCondLst>
+                        <p:cond delay="indefinite"/>
+                      </p:stCondLst>
+                      <p:childTnLst>
+                        <p:par>
+                          <p:cTn id="17" fill="hold">
+                            <p:stCondLst>
+                              <p:cond delay="0"/>
+                            </p:stCondLst>
+                            <p:childTnLst>
+                              <p:par>
+                                <p:cTn id="18" presetID="1" presetClass="entr" presetSubtype="0" fill="hold" grpId="0" nodeType="clickEffect">
+                                  <p:stCondLst>
+                                    <p:cond delay="0"/>
+                                  </p:stCondLst>
+                                  <p:childTnLst>
+                                    <p:set>
+                                      <p:cBhvr>
+                                        <p:cTn id="19" dur="1" fill="hold">
+                                          <p:stCondLst>
+                                            <p:cond delay="0"/>
+                                          </p:stCondLst>
+                                        </p:cTn>
+                                        <p:tgtEl>
+                                          <p:spTgt spid="21"/>
+                                        </p:tgtEl>
+                                        <p:attrNameLst>
+                                          <p:attrName>style.visibility</p:attrName>
+                                        </p:attrNameLst>
+                                      </p:cBhvr>
+                                      <p:to>
+                                        <p:strVal val="visible"/>
+                                      </p:to>
+                                    </p:set>
+                                  </p:childTnLst>
+                                </p:cTn>
+                              </p:par>
+                              <p:par>
+                                <p:cTn id="20" presetID="9" presetClass="emph" presetSubtype="0" nodeType="withEffect">
+                                  <p:stCondLst>
+                                    <p:cond delay="0"/>
+                                  </p:stCondLst>
+                                  <p:childTnLst>
+                                    <p:set>
+                                      <p:cBhvr>
+                                        <p:cTn id="21" dur="indefinite"/>
+                                        <p:tgtEl>
+                                          <p:spTgt spid="10"/>
+                                        </p:tgtEl>
+                                        <p:attrNameLst>
+                                          <p:attrName>style.opacity</p:attrName>
+                                        </p:attrNameLst>
+                                      </p:cBhvr>
+                                      <p:to>
+                                        <p:strVal val="0.25"/>
+                                      </p:to>
+                                    </p:set>
+                                    <p:animEffect filter="image" prLst="opacity: 0.25">
+                                      <p:cBhvr rctx="IE">
+                                        <p:cTn id="22" dur="indefinite"/>
+                                        <p:tgtEl>
+                                          <p:spTgt spid="10"/>
+                                        </p:tgtEl>
+                                      </p:cBhvr>
+                                    </p:animEffect>
+                                  </p:childTnLst>
+                                  <p:subTnLst>
+                                    <p:audio>
+                                      <p:cMediaNode>
+                                        <p:cTn display="0" masterRel="sameClick">
+                                          <p:stCondLst>
+                                            <p:cond evt="begin" delay="0">
+                                              <p:tn val="20"/>
+                                            </p:cond>
+                                          </p:stCondLst>
+                                          <p:endCondLst>
+                                            <p:cond evt="onStopAudio" delay="0">
+                                              <p:tgtEl>
+                                                <p:sldTgt/>
+                                              </p:tgtEl>
+                                            </p:cond>
+                                          </p:endCondLst>
+                                        </p:cTn>
+                                        <p:tgtEl>
+                                          <p:sndTgt r:embed="rId3" name="whoosh.wav"/>
+                                        </p:tgtEl>
+                                      </p:cMediaNode>
+                                    </p:audio>
+                                  </p:subTnLst>
+                                </p:cTn>
+                              </p:par>
+                              <p:par>
+                                <p:cTn id="23" presetID="9" presetClass="emph" presetSubtype="0" nodeType="withEffect">
+                                  <p:stCondLst>
+                                    <p:cond delay="0"/>
+                                  </p:stCondLst>
+                                  <p:childTnLst>
+                                    <p:set>
+                                      <p:cBhvr>
+                                        <p:cTn id="24" dur="indefinite"/>
+                                        <p:tgtEl>
+                                          <p:spTgt spid="19"/>
+                                        </p:tgtEl>
+                                        <p:attrNameLst>
+                                          <p:attrName>style.opacity</p:attrName>
+                                        </p:attrNameLst>
+                                      </p:cBhvr>
+                                      <p:to>
+                                        <p:strVal val="0.25"/>
+                                      </p:to>
+                                    </p:set>
+                                    <p:animEffect filter="image" prLst="opacity: 0.25">
+                                      <p:cBhvr rctx="IE">
+                                        <p:cTn id="25" dur="indefinite"/>
+                                        <p:tgtEl>
+                                          <p:spTgt spid="19"/>
+                                        </p:tgtEl>
+                                      </p:cBhvr>
+                                    </p:animEffect>
+                                  </p:childTnLst>
+                                  <p:subTnLst>
+                                    <p:audio>
+                                      <p:cMediaNode>
+                                        <p:cTn display="0" masterRel="sameClick">
+                                          <p:stCondLst>
+                                            <p:cond evt="begin" delay="0">
+                                              <p:tn val="23"/>
+                                            </p:cond>
+                                          </p:stCondLst>
+                                          <p:endCondLst>
+                                            <p:cond evt="onStopAudio" delay="0">
+                                              <p:tgtEl>
+                                                <p:sldTgt/>
+                                              </p:tgtEl>
+                                            </p:cond>
+                                          </p:endCondLst>
+                                        </p:cTn>
+                                        <p:tgtEl>
+                                          <p:sndTgt r:embed="rId3" name="whoosh.wav"/>
+                                        </p:tgtEl>
+                                      </p:cMediaNode>
+                                    </p:audio>
+                                  </p:subTnLst>
+                                </p:cTn>
+                              </p:par>
+                              <p:par>
+                                <p:cTn id="26" presetID="22" presetClass="entr" presetSubtype="4" fill="hold" nodeType="withEffect">
+                                  <p:stCondLst>
+                                    <p:cond delay="0"/>
+                                  </p:stCondLst>
+                                  <p:childTnLst>
+                                    <p:set>
+                                      <p:cBhvr>
+                                        <p:cTn id="27" dur="1" fill="hold">
+                                          <p:stCondLst>
+                                            <p:cond delay="0"/>
+                                          </p:stCondLst>
+                                        </p:cTn>
+                                        <p:tgtEl>
+                                          <p:spTgt spid="35"/>
+                                        </p:tgtEl>
+                                        <p:attrNameLst>
+                                          <p:attrName>style.visibility</p:attrName>
+                                        </p:attrNameLst>
+                                      </p:cBhvr>
+                                      <p:to>
+                                        <p:strVal val="visible"/>
+                                      </p:to>
+                                    </p:set>
+                                    <p:animEffect transition="in" filter="wipe(down)">
+                                      <p:cBhvr>
+                                        <p:cTn id="28" dur="500"/>
+                                        <p:tgtEl>
+                                          <p:spTgt spid="35"/>
+                                        </p:tgtEl>
+                                      </p:cBhvr>
+                                    </p:animEffect>
+                                  </p:childTnLst>
+                                </p:cTn>
+                              </p:par>
+                            </p:childTnLst>
+                          </p:cTn>
+                        </p:par>
+                      </p:childTnLst>
+                    </p:cTn>
+                  </p:par>
+                  <p:par>
+                    <p:cTn id="29" fill="hold">
+                      <p:stCondLst>
+                        <p:cond delay="indefinite"/>
+                      </p:stCondLst>
+                      <p:childTnLst>
+                        <p:par>
+                          <p:cTn id="30" fill="hold">
+                            <p:stCondLst>
+                              <p:cond delay="0"/>
+                            </p:stCondLst>
+                            <p:childTnLst>
+                              <p:par>
+                                <p:cTn id="31" presetID="1" presetClass="entr" presetSubtype="0" fill="hold" grpId="0" nodeType="clickEffect">
+                                  <p:stCondLst>
+                                    <p:cond delay="0"/>
+                                  </p:stCondLst>
+                                  <p:childTnLst>
+                                    <p:set>
+                                      <p:cBhvr>
+                                        <p:cTn id="32" dur="1" fill="hold">
+                                          <p:stCondLst>
+                                            <p:cond delay="0"/>
+                                          </p:stCondLst>
+                                        </p:cTn>
+                                        <p:tgtEl>
+                                          <p:spTgt spid="29"/>
+                                        </p:tgtEl>
+                                        <p:attrNameLst>
+                                          <p:attrName>style.visibility</p:attrName>
+                                        </p:attrNameLst>
+                                      </p:cBhvr>
+                                      <p:to>
+                                        <p:strVal val="visible"/>
+                                      </p:to>
+                                    </p:set>
+                                  </p:childTnLst>
+                                </p:cTn>
+                              </p:par>
+                              <p:par>
+                                <p:cTn id="33" presetID="9" presetClass="emph" presetSubtype="0" nodeType="withEffect">
+                                  <p:stCondLst>
+                                    <p:cond delay="0"/>
+                                  </p:stCondLst>
+                                  <p:childTnLst>
+                                    <p:set>
+                                      <p:cBhvr>
+                                        <p:cTn id="34" dur="indefinite"/>
+                                        <p:tgtEl>
+                                          <p:spTgt spid="14"/>
+                                        </p:tgtEl>
+                                        <p:attrNameLst>
+                                          <p:attrName>style.opacity</p:attrName>
+                                        </p:attrNameLst>
+                                      </p:cBhvr>
+                                      <p:to>
+                                        <p:strVal val="0.25"/>
+                                      </p:to>
+                                    </p:set>
+                                    <p:animEffect filter="image" prLst="opacity: 0.25">
+                                      <p:cBhvr rctx="IE">
+                                        <p:cTn id="35" dur="indefinite"/>
+                                        <p:tgtEl>
+                                          <p:spTgt spid="14"/>
+                                        </p:tgtEl>
+                                      </p:cBhvr>
+                                    </p:animEffect>
+                                  </p:childTnLst>
+                                  <p:subTnLst>
+                                    <p:audio>
+                                      <p:cMediaNode>
+                                        <p:cTn display="0" masterRel="sameClick">
+                                          <p:stCondLst>
+                                            <p:cond evt="begin" delay="0">
+                                              <p:tn val="33"/>
+                                            </p:cond>
+                                          </p:stCondLst>
+                                          <p:endCondLst>
+                                            <p:cond evt="onStopAudio" delay="0">
+                                              <p:tgtEl>
+                                                <p:sldTgt/>
+                                              </p:tgtEl>
+                                            </p:cond>
+                                          </p:endCondLst>
+                                        </p:cTn>
+                                        <p:tgtEl>
+                                          <p:sndTgt r:embed="rId3" name="whoosh.wav"/>
+                                        </p:tgtEl>
+                                      </p:cMediaNode>
+                                    </p:audio>
+                                  </p:subTnLst>
+                                </p:cTn>
+                              </p:par>
+                              <p:par>
+                                <p:cTn id="36" presetID="9" presetClass="emph" presetSubtype="0" nodeType="withEffect">
+                                  <p:stCondLst>
+                                    <p:cond delay="0"/>
+                                  </p:stCondLst>
+                                  <p:childTnLst>
+                                    <p:set>
+                                      <p:cBhvr>
+                                        <p:cTn id="37" dur="indefinite"/>
+                                        <p:tgtEl>
+                                          <p:spTgt spid="18"/>
+                                        </p:tgtEl>
+                                        <p:attrNameLst>
+                                          <p:attrName>style.opacity</p:attrName>
+                                        </p:attrNameLst>
+                                      </p:cBhvr>
+                                      <p:to>
+                                        <p:strVal val="0.25"/>
+                                      </p:to>
+                                    </p:set>
+                                    <p:animEffect filter="image" prLst="opacity: 0.25">
+                                      <p:cBhvr rctx="IE">
+                                        <p:cTn id="38" dur="indefinite"/>
+                                        <p:tgtEl>
+                                          <p:spTgt spid="18"/>
+                                        </p:tgtEl>
+                                      </p:cBhvr>
+                                    </p:animEffect>
+                                  </p:childTnLst>
+                                  <p:subTnLst>
+                                    <p:audio>
+                                      <p:cMediaNode>
+                                        <p:cTn display="0" masterRel="sameClick">
+                                          <p:stCondLst>
+                                            <p:cond evt="begin" delay="0">
+                                              <p:tn val="36"/>
+                                            </p:cond>
+                                          </p:stCondLst>
+                                          <p:endCondLst>
+                                            <p:cond evt="onStopAudio" delay="0">
+                                              <p:tgtEl>
+                                                <p:sldTgt/>
+                                              </p:tgtEl>
+                                            </p:cond>
+                                          </p:endCondLst>
+                                        </p:cTn>
+                                        <p:tgtEl>
+                                          <p:sndTgt r:embed="rId3" name="whoosh.wav"/>
+                                        </p:tgtEl>
+                                      </p:cMediaNode>
+                                    </p:audio>
+                                  </p:subTnLst>
+                                </p:cTn>
+                              </p:par>
+                              <p:par>
+                                <p:cTn id="39" presetID="22" presetClass="entr" presetSubtype="4" fill="hold" nodeType="withEffect">
+                                  <p:stCondLst>
+                                    <p:cond delay="0"/>
+                                  </p:stCondLst>
+                                  <p:childTnLst>
+                                    <p:set>
+                                      <p:cBhvr>
+                                        <p:cTn id="40" dur="1" fill="hold">
+                                          <p:stCondLst>
+                                            <p:cond delay="0"/>
+                                          </p:stCondLst>
+                                        </p:cTn>
+                                        <p:tgtEl>
+                                          <p:spTgt spid="36"/>
+                                        </p:tgtEl>
+                                        <p:attrNameLst>
+                                          <p:attrName>style.visibility</p:attrName>
+                                        </p:attrNameLst>
+                                      </p:cBhvr>
+                                      <p:to>
+                                        <p:strVal val="visible"/>
+                                      </p:to>
+                                    </p:set>
+                                    <p:animEffect transition="in" filter="wipe(down)">
+                                      <p:cBhvr>
+                                        <p:cTn id="41" dur="500"/>
+                                        <p:tgtEl>
+                                          <p:spTgt spid="36"/>
+                                        </p:tgtEl>
+                                      </p:cBhvr>
+                                    </p:animEffect>
+                                  </p:childTnLst>
+                                </p:cTn>
+                              </p:par>
+                            </p:childTnLst>
+                          </p:cTn>
+                        </p:par>
+                      </p:childTnLst>
+                    </p:cTn>
+                  </p:par>
+                </p:childTnLst>
+              </p:cTn>
+              <p:prevCondLst>
+                <p:cond evt="onPrev" delay="0">
+                  <p:tgtEl>
+                    <p:sldTgt/>
+                  </p:tgtEl>
+                </p:cond>
+              </p:prevCondLst>
+              <p:nextCondLst>
+                <p:cond evt="onNext" delay="0">
+                  <p:tgtEl>
+                    <p:sldTgt/>
+                  </p:tgtEl>
+                </p:cond>
+              </p:nextCondLst>
+            </p:seq>
+          </p:childTnLst>
+        </p:cTn>
+      </p:par>
+    </p:tnLst>
+    <p:bldLst>
+      <p:bldP spid="3" grpId="0" animBg="1"/>
+      <p:bldP spid="21" grpId="0" animBg="1"/>
+      <p:bldP spid="29" grpId="0" animBg="1"/>
+    </p:bldLst>
+  </p:timing>
 </p:sld>
 </file>
 
-<file path=ppt/slides/slide3.xml><?xml version="1.0" encoding="utf-8"?>
+<file path=ppt/slides/slide4.xml><?xml version="1.0" encoding="utf-8"?>
 <p:sld xmlns:a="http://schemas.openxmlformats.org/drawingml/2006/main" xmlns:r="http://schemas.openxmlformats.org/officeDocument/2006/relationships" xmlns:p="http://schemas.openxmlformats.org/presentationml/2006/main">
   <p:cSld>
     <p:spTree>
@@ -10145,4 +12538,299 @@
     </a:ext>
   </a:extLst>
 </a:theme>
+</file>
+
+<file path=ppt/theme/theme2.xml><?xml version="1.0" encoding="utf-8"?>
+<a:theme xmlns:a="http://schemas.openxmlformats.org/drawingml/2006/main" name="Office Theme">
+  <a:themeElements>
+    <a:clrScheme name="Office">
+      <a:dk1>
+        <a:sysClr val="windowText" lastClr="000000"/>
+      </a:dk1>
+      <a:lt1>
+        <a:sysClr val="window" lastClr="FFFFFF"/>
+      </a:lt1>
+      <a:dk2>
+        <a:srgbClr val="44546A"/>
+      </a:dk2>
+      <a:lt2>
+        <a:srgbClr val="E7E6E6"/>
+      </a:lt2>
+      <a:accent1>
+        <a:srgbClr val="4472C4"/>
+      </a:accent1>
+      <a:accent2>
+        <a:srgbClr val="ED7D31"/>
+      </a:accent2>
+      <a:accent3>
+        <a:srgbClr val="A5A5A5"/>
+      </a:accent3>
+      <a:accent4>
+        <a:srgbClr val="FFC000"/>
+      </a:accent4>
+      <a:accent5>
+        <a:srgbClr val="5B9BD5"/>
+      </a:accent5>
+      <a:accent6>
+        <a:srgbClr val="70AD47"/>
+      </a:accent6>
+      <a:hlink>
+        <a:srgbClr val="0563C1"/>
+      </a:hlink>
+      <a:folHlink>
+        <a:srgbClr val="954F72"/>
+      </a:folHlink>
+    </a:clrScheme>
+    <a:fontScheme name="Office">
+      <a:majorFont>
+        <a:latin typeface="Calibri Light" panose="020F0302020204030204"/>
+        <a:ea typeface=""/>
+        <a:cs typeface=""/>
+        <a:font script="Jpan" typeface="游ゴシック Light"/>
+        <a:font script="Hang" typeface="맑은 고딕"/>
+        <a:font script="Hans" typeface="等线 Light"/>
+        <a:font script="Hant" typeface="新細明體"/>
+        <a:font script="Arab" typeface="Times New Roman"/>
+        <a:font script="Hebr" typeface="Times New Roman"/>
+        <a:font script="Thai" typeface="Angsana New"/>
+        <a:font script="Ethi" typeface="Nyala"/>
+        <a:font script="Beng" typeface="Vrinda"/>
+        <a:font script="Gujr" typeface="Shruti"/>
+        <a:font script="Khmr" typeface="MoolBoran"/>
+        <a:font script="Knda" typeface="Tunga"/>
+        <a:font script="Guru" typeface="Raavi"/>
+        <a:font script="Cans" typeface="Euphemia"/>
+        <a:font script="Cher" typeface="Plantagenet Cherokee"/>
+        <a:font script="Yiii" typeface="Microsoft Yi Baiti"/>
+        <a:font script="Tibt" typeface="Microsoft Himalaya"/>
+        <a:font script="Thaa" typeface="MV Boli"/>
+        <a:font script="Deva" typeface="Mangal"/>
+        <a:font script="Telu" typeface="Gautami"/>
+        <a:font script="Taml" typeface="Latha"/>
+        <a:font script="Syrc" typeface="Estrangelo Edessa"/>
+        <a:font script="Orya" typeface="Kalinga"/>
+        <a:font script="Mlym" typeface="Kartika"/>
+        <a:font script="Laoo" typeface="DokChampa"/>
+        <a:font script="Sinh" typeface="Iskoola Pota"/>
+        <a:font script="Mong" typeface="Mongolian Baiti"/>
+        <a:font script="Viet" typeface="Times New Roman"/>
+        <a:font script="Uigh" typeface="Microsoft Uighur"/>
+        <a:font script="Geor" typeface="Sylfaen"/>
+        <a:font script="Armn" typeface="Arial"/>
+        <a:font script="Bugi" typeface="Leelawadee UI"/>
+        <a:font script="Bopo" typeface="Microsoft JhengHei"/>
+        <a:font script="Java" typeface="Javanese Text"/>
+        <a:font script="Lisu" typeface="Segoe UI"/>
+        <a:font script="Mymr" typeface="Myanmar Text"/>
+        <a:font script="Nkoo" typeface="Ebrima"/>
+        <a:font script="Olck" typeface="Nirmala UI"/>
+        <a:font script="Osma" typeface="Ebrima"/>
+        <a:font script="Phag" typeface="Phagspa"/>
+        <a:font script="Syrn" typeface="Estrangelo Edessa"/>
+        <a:font script="Syrj" typeface="Estrangelo Edessa"/>
+        <a:font script="Syre" typeface="Estrangelo Edessa"/>
+        <a:font script="Sora" typeface="Nirmala UI"/>
+        <a:font script="Tale" typeface="Microsoft Tai Le"/>
+        <a:font script="Talu" typeface="Microsoft New Tai Lue"/>
+        <a:font script="Tfng" typeface="Ebrima"/>
+      </a:majorFont>
+      <a:minorFont>
+        <a:latin typeface="Calibri" panose="020F0502020204030204"/>
+        <a:ea typeface=""/>
+        <a:cs typeface=""/>
+        <a:font script="Jpan" typeface="游ゴシック"/>
+        <a:font script="Hang" typeface="맑은 고딕"/>
+        <a:font script="Hans" typeface="等线"/>
+        <a:font script="Hant" typeface="新細明體"/>
+        <a:font script="Arab" typeface="Arial"/>
+        <a:font script="Hebr" typeface="Arial"/>
+        <a:font script="Thai" typeface="Cordia New"/>
+        <a:font script="Ethi" typeface="Nyala"/>
+        <a:font script="Beng" typeface="Vrinda"/>
+        <a:font script="Gujr" typeface="Shruti"/>
+        <a:font script="Khmr" typeface="DaunPenh"/>
+        <a:font script="Knda" typeface="Tunga"/>
+        <a:font script="Guru" typeface="Raavi"/>
+        <a:font script="Cans" typeface="Euphemia"/>
+        <a:font script="Cher" typeface="Plantagenet Cherokee"/>
+        <a:font script="Yiii" typeface="Microsoft Yi Baiti"/>
+        <a:font script="Tibt" typeface="Microsoft Himalaya"/>
+        <a:font script="Thaa" typeface="MV Boli"/>
+        <a:font script="Deva" typeface="Mangal"/>
+        <a:font script="Telu" typeface="Gautami"/>
+        <a:font script="Taml" typeface="Latha"/>
+        <a:font script="Syrc" typeface="Estrangelo Edessa"/>
+        <a:font script="Orya" typeface="Kalinga"/>
+        <a:font script="Mlym" typeface="Kartika"/>
+        <a:font script="Laoo" typeface="DokChampa"/>
+        <a:font script="Sinh" typeface="Iskoola Pota"/>
+        <a:font script="Mong" typeface="Mongolian Baiti"/>
+        <a:font script="Viet" typeface="Arial"/>
+        <a:font script="Uigh" typeface="Microsoft Uighur"/>
+        <a:font script="Geor" typeface="Sylfaen"/>
+        <a:font script="Armn" typeface="Arial"/>
+        <a:font script="Bugi" typeface="Leelawadee UI"/>
+        <a:font script="Bopo" typeface="Microsoft JhengHei"/>
+        <a:font script="Java" typeface="Javanese Text"/>
+        <a:font script="Lisu" typeface="Segoe UI"/>
+        <a:font script="Mymr" typeface="Myanmar Text"/>
+        <a:font script="Nkoo" typeface="Ebrima"/>
+        <a:font script="Olck" typeface="Nirmala UI"/>
+        <a:font script="Osma" typeface="Ebrima"/>
+        <a:font script="Phag" typeface="Phagspa"/>
+        <a:font script="Syrn" typeface="Estrangelo Edessa"/>
+        <a:font script="Syrj" typeface="Estrangelo Edessa"/>
+        <a:font script="Syre" typeface="Estrangelo Edessa"/>
+        <a:font script="Sora" typeface="Nirmala UI"/>
+        <a:font script="Tale" typeface="Microsoft Tai Le"/>
+        <a:font script="Talu" typeface="Microsoft New Tai Lue"/>
+        <a:font script="Tfng" typeface="Ebrima"/>
+      </a:minorFont>
+    </a:fontScheme>
+    <a:fmtScheme name="Office">
+      <a:fillStyleLst>
+        <a:solidFill>
+          <a:schemeClr val="phClr"/>
+        </a:solidFill>
+        <a:gradFill rotWithShape="1">
+          <a:gsLst>
+            <a:gs pos="0">
+              <a:schemeClr val="phClr">
+                <a:lumMod val="110000"/>
+                <a:satMod val="105000"/>
+                <a:tint val="67000"/>
+              </a:schemeClr>
+            </a:gs>
+            <a:gs pos="50000">
+              <a:schemeClr val="phClr">
+                <a:lumMod val="105000"/>
+                <a:satMod val="103000"/>
+                <a:tint val="73000"/>
+              </a:schemeClr>
+            </a:gs>
+            <a:gs pos="100000">
+              <a:schemeClr val="phClr">
+                <a:lumMod val="105000"/>
+                <a:satMod val="109000"/>
+                <a:tint val="81000"/>
+              </a:schemeClr>
+            </a:gs>
+          </a:gsLst>
+          <a:lin ang="5400000" scaled="0"/>
+        </a:gradFill>
+        <a:gradFill rotWithShape="1">
+          <a:gsLst>
+            <a:gs pos="0">
+              <a:schemeClr val="phClr">
+                <a:satMod val="103000"/>
+                <a:lumMod val="102000"/>
+                <a:tint val="94000"/>
+              </a:schemeClr>
+            </a:gs>
+            <a:gs pos="50000">
+              <a:schemeClr val="phClr">
+                <a:satMod val="110000"/>
+                <a:lumMod val="100000"/>
+                <a:shade val="100000"/>
+              </a:schemeClr>
+            </a:gs>
+            <a:gs pos="100000">
+              <a:schemeClr val="phClr">
+                <a:lumMod val="99000"/>
+                <a:satMod val="120000"/>
+                <a:shade val="78000"/>
+              </a:schemeClr>
+            </a:gs>
+          </a:gsLst>
+          <a:lin ang="5400000" scaled="0"/>
+        </a:gradFill>
+      </a:fillStyleLst>
+      <a:lnStyleLst>
+        <a:ln w="6350" cap="flat" cmpd="sng" algn="ctr">
+          <a:solidFill>
+            <a:schemeClr val="phClr"/>
+          </a:solidFill>
+          <a:prstDash val="solid"/>
+          <a:miter lim="800000"/>
+        </a:ln>
+        <a:ln w="12700" cap="flat" cmpd="sng" algn="ctr">
+          <a:solidFill>
+            <a:schemeClr val="phClr"/>
+          </a:solidFill>
+          <a:prstDash val="solid"/>
+          <a:miter lim="800000"/>
+        </a:ln>
+        <a:ln w="19050" cap="flat" cmpd="sng" algn="ctr">
+          <a:solidFill>
+            <a:schemeClr val="phClr"/>
+          </a:solidFill>
+          <a:prstDash val="solid"/>
+          <a:miter lim="800000"/>
+        </a:ln>
+      </a:lnStyleLst>
+      <a:effectStyleLst>
+        <a:effectStyle>
+          <a:effectLst/>
+        </a:effectStyle>
+        <a:effectStyle>
+          <a:effectLst/>
+        </a:effectStyle>
+        <a:effectStyle>
+          <a:effectLst>
+            <a:outerShdw blurRad="57150" dist="19050" dir="5400000" algn="ctr" rotWithShape="0">
+              <a:srgbClr val="000000">
+                <a:alpha val="63000"/>
+              </a:srgbClr>
+            </a:outerShdw>
+          </a:effectLst>
+        </a:effectStyle>
+      </a:effectStyleLst>
+      <a:bgFillStyleLst>
+        <a:solidFill>
+          <a:schemeClr val="phClr"/>
+        </a:solidFill>
+        <a:solidFill>
+          <a:schemeClr val="phClr">
+            <a:tint val="95000"/>
+            <a:satMod val="170000"/>
+          </a:schemeClr>
+        </a:solidFill>
+        <a:gradFill rotWithShape="1">
+          <a:gsLst>
+            <a:gs pos="0">
+              <a:schemeClr val="phClr">
+                <a:tint val="93000"/>
+                <a:satMod val="150000"/>
+                <a:shade val="98000"/>
+                <a:lumMod val="102000"/>
+              </a:schemeClr>
+            </a:gs>
+            <a:gs pos="50000">
+              <a:schemeClr val="phClr">
+                <a:tint val="98000"/>
+                <a:satMod val="130000"/>
+                <a:shade val="90000"/>
+                <a:lumMod val="103000"/>
+              </a:schemeClr>
+            </a:gs>
+            <a:gs pos="100000">
+              <a:schemeClr val="phClr">
+                <a:shade val="63000"/>
+                <a:satMod val="120000"/>
+              </a:schemeClr>
+            </a:gs>
+          </a:gsLst>
+          <a:lin ang="5400000" scaled="0"/>
+        </a:gradFill>
+      </a:bgFillStyleLst>
+    </a:fmtScheme>
+  </a:themeElements>
+  <a:objectDefaults/>
+  <a:extraClrSchemeLst/>
+  <a:extLst>
+    <a:ext uri="{05A4C25C-085E-4340-85A3-A5531E510DB2}">
+      <thm15:themeFamily xmlns:thm15="http://schemas.microsoft.com/office/thememl/2012/main" name="Office Theme" id="{62F939B6-93AF-4DB8-9C6B-D6C7DFDC589F}" vid="{4A3C46E8-61CC-4603-A589-7422A47A8E4A}"/>
+    </a:ext>
+  </a:extLst>
+</a:theme>
 </file>
--- a/Drafts/MixToxJam.pptx
+++ b/Drafts/MixToxJam.pptx
@@ -5442,7 +5442,10 @@
             <a:avLst/>
           </a:prstGeom>
           <a:solidFill>
-            <a:schemeClr val="tx1"/>
+            <a:schemeClr val="accent4">
+              <a:lumMod val="20000"/>
+              <a:lumOff val="80000"/>
+            </a:schemeClr>
           </a:solidFill>
           <a:ln>
             <a:noFill/>
@@ -5473,7 +5476,7 @@
               <a:rPr lang="en-GB" sz="4000" dirty="0">
                 <a:latin typeface="Keep Calm Med" pitchFamily="2" charset="0"/>
               </a:rPr>
-              <a:t>Gi</a:t>
+              <a:t>Me</a:t>
             </a:r>
           </a:p>
         </p:txBody>
